--- a/EX-HIBERNATE.pptx
+++ b/EX-HIBERNATE.pptx
@@ -5,10 +5,10 @@
     <p:sldMasterId id="2147483660" r:id="rId4"/>
   </p:sldMasterIdLst>
   <p:notesMasterIdLst>
-    <p:notesMasterId r:id="rId13"/>
+    <p:notesMasterId r:id="rId14"/>
   </p:notesMasterIdLst>
   <p:handoutMasterIdLst>
-    <p:handoutMasterId r:id="rId14"/>
+    <p:handoutMasterId r:id="rId15"/>
   </p:handoutMasterIdLst>
   <p:sldIdLst>
     <p:sldId id="256" r:id="rId5"/>
@@ -19,6 +19,7 @@
     <p:sldId id="309" r:id="rId10"/>
     <p:sldId id="310" r:id="rId11"/>
     <p:sldId id="311" r:id="rId12"/>
+    <p:sldId id="314" r:id="rId13"/>
   </p:sldIdLst>
   <p:sldSz cx="12192000" cy="6858000"/>
   <p:notesSz cx="6858000" cy="9144000"/>
@@ -130,6 +131,7 @@
             <p14:sldId id="309"/>
             <p14:sldId id="310"/>
             <p14:sldId id="311"/>
+            <p14:sldId id="314"/>
           </p14:sldIdLst>
         </p14:section>
       </p14:sectionLst>
@@ -245,7 +247,7 @@
             <a:pPr rtl="0"/>
             <a:fld id="{3C80F580-3B6A-44CD-9A1E-E890016126F8}" type="datetime1">
               <a:rPr lang="fr-FR" smtClean="0"/>
-              <a:t>31/12/2023</a:t>
+              <a:t>17/02/2024</a:t>
             </a:fld>
             <a:endParaRPr lang="fr-FR"/>
           </a:p>
@@ -415,7 +417,7 @@
             <a:pPr rtl="0"/>
             <a:fld id="{7DF8ED89-FBF4-48E3-B6C6-C071DA98F802}" type="datetime1">
               <a:rPr lang="fr-FR" noProof="1" dirty="0" smtClean="0"/>
-              <a:t>31/12/2023</a:t>
+              <a:t>17/02/2024</a:t>
             </a:fld>
             <a:endParaRPr lang="fr-FR" noProof="1"/>
           </a:p>
@@ -1372,6 +1374,115 @@
 </p:notes>
 </file>
 
+<file path=ppt/notesSlides/notesSlide9.xml><?xml version="1.0" encoding="utf-8"?>
+<p:notes xmlns:a="http://schemas.openxmlformats.org/drawingml/2006/main" xmlns:r="http://schemas.openxmlformats.org/officeDocument/2006/relationships" xmlns:p="http://schemas.openxmlformats.org/presentationml/2006/main">
+  <p:cSld>
+    <p:spTree>
+      <p:nvGrpSpPr>
+        <p:cNvPr id="1" name="">
+          <a:extLst>
+            <a:ext uri="{FF2B5EF4-FFF2-40B4-BE49-F238E27FC236}">
+              <a16:creationId xmlns:a16="http://schemas.microsoft.com/office/drawing/2014/main" id="{319D651B-A15B-67D1-0483-C3173EEF5C22}"/>
+            </a:ext>
+          </a:extLst>
+        </p:cNvPr>
+        <p:cNvGrpSpPr/>
+        <p:nvPr/>
+      </p:nvGrpSpPr>
+      <p:grpSpPr>
+        <a:xfrm>
+          <a:off x="0" y="0"/>
+          <a:ext cx="0" cy="0"/>
+          <a:chOff x="0" y="0"/>
+          <a:chExt cx="0" cy="0"/>
+        </a:xfrm>
+      </p:grpSpPr>
+      <p:sp>
+        <p:nvSpPr>
+          <p:cNvPr id="2" name="Espace réservé de l'image des diapositives 1">
+            <a:extLst>
+              <a:ext uri="{FF2B5EF4-FFF2-40B4-BE49-F238E27FC236}">
+                <a16:creationId xmlns:a16="http://schemas.microsoft.com/office/drawing/2014/main" id="{6DDBC72A-EC14-C569-2DFF-543A008ACCC5}"/>
+              </a:ext>
+            </a:extLst>
+          </p:cNvPr>
+          <p:cNvSpPr>
+            <a:spLocks noGrp="1" noRot="1" noChangeAspect="1"/>
+          </p:cNvSpPr>
+          <p:nvPr>
+            <p:ph type="sldImg"/>
+          </p:nvPr>
+        </p:nvSpPr>
+        <p:spPr/>
+      </p:sp>
+      <p:sp>
+        <p:nvSpPr>
+          <p:cNvPr id="3" name="Espace réservé des notes 2">
+            <a:extLst>
+              <a:ext uri="{FF2B5EF4-FFF2-40B4-BE49-F238E27FC236}">
+                <a16:creationId xmlns:a16="http://schemas.microsoft.com/office/drawing/2014/main" id="{47919046-17F3-7782-4795-CB5A1937AD7E}"/>
+              </a:ext>
+            </a:extLst>
+          </p:cNvPr>
+          <p:cNvSpPr>
+            <a:spLocks noGrp="1"/>
+          </p:cNvSpPr>
+          <p:nvPr>
+            <p:ph type="body" idx="1"/>
+          </p:nvPr>
+        </p:nvSpPr>
+        <p:spPr/>
+        <p:txBody>
+          <a:bodyPr/>
+          <a:lstStyle/>
+          <a:p>
+            <a:endParaRPr lang="fr-FR" noProof="1"/>
+          </a:p>
+        </p:txBody>
+      </p:sp>
+      <p:sp>
+        <p:nvSpPr>
+          <p:cNvPr id="4" name="Espace réservé du numéro de diapositive 3">
+            <a:extLst>
+              <a:ext uri="{FF2B5EF4-FFF2-40B4-BE49-F238E27FC236}">
+                <a16:creationId xmlns:a16="http://schemas.microsoft.com/office/drawing/2014/main" id="{2985E633-7A6C-53E3-9C93-EFF1ACD0091D}"/>
+              </a:ext>
+            </a:extLst>
+          </p:cNvPr>
+          <p:cNvSpPr>
+            <a:spLocks noGrp="1"/>
+          </p:cNvSpPr>
+          <p:nvPr>
+            <p:ph type="sldNum" sz="quarter" idx="5"/>
+          </p:nvPr>
+        </p:nvSpPr>
+        <p:spPr/>
+        <p:txBody>
+          <a:bodyPr/>
+          <a:lstStyle/>
+          <a:p>
+            <a:pPr rtl="0"/>
+            <a:fld id="{DF61EA0F-A667-4B49-8422-0062BC55E249}" type="slidenum">
+              <a:rPr lang="fr-FR" noProof="1" dirty="0" smtClean="0"/>
+              <a:t>9</a:t>
+            </a:fld>
+            <a:endParaRPr lang="fr-FR" noProof="1"/>
+          </a:p>
+        </p:txBody>
+      </p:sp>
+    </p:spTree>
+    <p:extLst>
+      <p:ext uri="{BB962C8B-B14F-4D97-AF65-F5344CB8AC3E}">
+        <p14:creationId xmlns:p14="http://schemas.microsoft.com/office/powerpoint/2010/main" val="827500096"/>
+      </p:ext>
+    </p:extLst>
+  </p:cSld>
+  <p:clrMapOvr>
+    <a:masterClrMapping/>
+  </p:clrMapOvr>
+</p:notes>
+</file>
+
 <file path=ppt/slideLayouts/slideLayout1.xml><?xml version="1.0" encoding="utf-8"?>
 <p:sldLayout xmlns:a="http://schemas.openxmlformats.org/drawingml/2006/main" xmlns:r="http://schemas.openxmlformats.org/officeDocument/2006/relationships" xmlns:p="http://schemas.openxmlformats.org/presentationml/2006/main" preserve="1" userDrawn="1">
   <p:cSld name="Diapositive de titre">
@@ -1810,7 +1921,7 @@
             <a:pPr rtl="0"/>
             <a:fld id="{7DF3CA4B-903E-431D-AF93-2AD02E04DE8A}" type="datetime1">
               <a:rPr lang="fr-FR" noProof="0" smtClean="0"/>
-              <a:t>31/12/2023</a:t>
+              <a:t>17/02/2024</a:t>
             </a:fld>
             <a:endParaRPr lang="fr-FR" noProof="0"/>
           </a:p>
@@ -2436,7 +2547,7 @@
             <a:pPr rtl="0"/>
             <a:fld id="{802CD4F2-526B-4131-B91B-856C46007FC5}" type="datetime1">
               <a:rPr lang="fr-FR" noProof="0" smtClean="0"/>
-              <a:t>31/12/2023</a:t>
+              <a:t>17/02/2024</a:t>
             </a:fld>
             <a:endParaRPr lang="fr-FR" noProof="0"/>
           </a:p>
@@ -3871,7 +3982,7 @@
         <p:spPr>
           <a:xfrm>
             <a:off x="521207" y="1243786"/>
-            <a:ext cx="10961915" cy="1200329"/>
+            <a:ext cx="10961915" cy="2862322"/>
           </a:xfrm>
           <a:prstGeom prst="rect">
             <a:avLst/>
@@ -3889,12 +4000,8 @@
               <a:buChar char="Ø"/>
             </a:pPr>
             <a:r>
-              <a:rPr lang="fr-FR" dirty="0" err="1"/>
-              <a:t>Easy</a:t>
-            </a:r>
-            <a:r>
               <a:rPr lang="fr-FR" dirty="0"/>
-              <a:t> ?</a:t>
+              <a:t>Avec une interface !</a:t>
             </a:r>
           </a:p>
           <a:p>
@@ -3912,7 +4019,1708 @@
             <a:endParaRPr lang="fr-FR" dirty="0"/>
           </a:p>
           <a:p>
+            <a:pPr marL="285750" indent="-285750">
+              <a:buFont typeface="Wingdings" panose="05000000000000000000" pitchFamily="2" charset="2"/>
+              <a:buChar char="Ø"/>
+            </a:pPr>
             <a:endParaRPr lang="fr-FR" dirty="0"/>
+          </a:p>
+          <a:p>
+            <a:pPr marL="285750" indent="-285750">
+              <a:buFont typeface="Wingdings" panose="05000000000000000000" pitchFamily="2" charset="2"/>
+              <a:buChar char="Ø"/>
+            </a:pPr>
+            <a:endParaRPr lang="fr-FR" dirty="0"/>
+          </a:p>
+          <a:p>
+            <a:pPr marL="285750" indent="-285750">
+              <a:buFont typeface="Wingdings" panose="05000000000000000000" pitchFamily="2" charset="2"/>
+              <a:buChar char="Ø"/>
+            </a:pPr>
+            <a:endParaRPr lang="fr-FR" dirty="0"/>
+          </a:p>
+          <a:p>
+            <a:pPr marL="285750" indent="-285750">
+              <a:buFont typeface="Wingdings" panose="05000000000000000000" pitchFamily="2" charset="2"/>
+              <a:buChar char="Ø"/>
+            </a:pPr>
+            <a:endParaRPr lang="fr-FR" dirty="0"/>
+          </a:p>
+          <a:p>
+            <a:pPr marL="285750" indent="-285750">
+              <a:buFont typeface="Wingdings" panose="05000000000000000000" pitchFamily="2" charset="2"/>
+              <a:buChar char="Ø"/>
+            </a:pPr>
+            <a:endParaRPr lang="fr-FR" dirty="0"/>
+          </a:p>
+          <a:p>
+            <a:pPr marL="285750" indent="-285750">
+              <a:buFont typeface="Wingdings" panose="05000000000000000000" pitchFamily="2" charset="2"/>
+              <a:buChar char="Ø"/>
+            </a:pPr>
+            <a:r>
+              <a:rPr lang="fr-FR" dirty="0"/>
+              <a:t>Avec une requête native !</a:t>
+            </a:r>
+          </a:p>
+          <a:p>
+            <a:endParaRPr lang="fr-FR" dirty="0"/>
+          </a:p>
+        </p:txBody>
+      </p:sp>
+      <p:sp>
+        <p:nvSpPr>
+          <p:cNvPr id="6" name="Rectangle 3">
+            <a:extLst>
+              <a:ext uri="{FF2B5EF4-FFF2-40B4-BE49-F238E27FC236}">
+                <a16:creationId xmlns:a16="http://schemas.microsoft.com/office/drawing/2014/main" id="{C42FE83E-B0F6-7075-A7EB-6C09B8BD741C}"/>
+              </a:ext>
+            </a:extLst>
+          </p:cNvPr>
+          <p:cNvSpPr>
+            <a:spLocks noChangeArrowheads="1"/>
+          </p:cNvSpPr>
+          <p:nvPr/>
+        </p:nvSpPr>
+        <p:spPr bwMode="auto">
+          <a:xfrm>
+            <a:off x="601980" y="1576725"/>
+            <a:ext cx="3536180" cy="1754326"/>
+          </a:xfrm>
+          <a:prstGeom prst="rect">
+            <a:avLst/>
+          </a:prstGeom>
+          <a:solidFill>
+            <a:srgbClr val="FFFFFF"/>
+          </a:solidFill>
+          <a:ln>
+            <a:noFill/>
+          </a:ln>
+          <a:effectLst/>
+          <a:extLst>
+            <a:ext uri="{91240B29-F687-4F45-9708-019B960494DF}">
+              <a14:hiddenLine xmlns:a14="http://schemas.microsoft.com/office/drawing/2010/main" w="9525">
+                <a:solidFill>
+                  <a:schemeClr val="tx1"/>
+                </a:solidFill>
+                <a:miter lim="800000"/>
+                <a:headEnd/>
+                <a:tailEnd/>
+              </a14:hiddenLine>
+            </a:ext>
+            <a:ext uri="{AF507438-7753-43E0-B8FC-AC1667EBCBE1}">
+              <a14:hiddenEffects xmlns:a14="http://schemas.microsoft.com/office/drawing/2010/main">
+                <a:effectLst>
+                  <a:outerShdw dist="35921" dir="2700000" algn="ctr" rotWithShape="0">
+                    <a:schemeClr val="bg2"/>
+                  </a:outerShdw>
+                </a:effectLst>
+              </a14:hiddenEffects>
+            </a:ext>
+          </a:extLst>
+        </p:spPr>
+        <p:txBody>
+          <a:bodyPr vert="horz" wrap="square" lIns="91440" tIns="45720" rIns="91440" bIns="45720" numCol="1" anchor="ctr" anchorCtr="0" compatLnSpc="1">
+            <a:prstTxWarp prst="textNoShape">
+              <a:avLst/>
+            </a:prstTxWarp>
+            <a:spAutoFit/>
+          </a:bodyPr>
+          <a:lstStyle/>
+          <a:p>
+            <a:pPr marL="0" marR="0" lvl="0" indent="0" algn="l" defTabSz="914400" rtl="0" eaLnBrk="0" fontAlgn="base" latinLnBrk="0" hangingPunct="0">
+              <a:lnSpc>
+                <a:spcPct val="100000"/>
+              </a:lnSpc>
+              <a:spcBef>
+                <a:spcPct val="0"/>
+              </a:spcBef>
+              <a:spcAft>
+                <a:spcPct val="0"/>
+              </a:spcAft>
+              <a:buClrTx/>
+              <a:buSzTx/>
+              <a:buFontTx/>
+              <a:buNone/>
+              <a:tabLst/>
+            </a:pPr>
+            <a:r>
+              <a:rPr kumimoji="0" lang="fr-FR" altLang="fr-FR" sz="1000" b="0" i="0" u="none" strike="noStrike" cap="none" normalizeH="0" baseline="0" dirty="0">
+                <a:ln>
+                  <a:noFill/>
+                </a:ln>
+                <a:solidFill>
+                  <a:srgbClr val="9E880D"/>
+                </a:solidFill>
+                <a:effectLst/>
+                <a:latin typeface="Fira Code" panose="020B0809050000020004" pitchFamily="49" charset="0"/>
+                <a:cs typeface="Fira Code" panose="020B0809050000020004" pitchFamily="49" charset="0"/>
+              </a:rPr>
+              <a:t>@Getter</a:t>
+            </a:r>
+            <a:br>
+              <a:rPr kumimoji="0" lang="fr-FR" altLang="fr-FR" sz="1000" b="0" i="0" u="none" strike="noStrike" cap="none" normalizeH="0" baseline="0" dirty="0">
+                <a:ln>
+                  <a:noFill/>
+                </a:ln>
+                <a:solidFill>
+                  <a:srgbClr val="9E880D"/>
+                </a:solidFill>
+                <a:effectLst/>
+                <a:latin typeface="Fira Code" panose="020B0809050000020004" pitchFamily="49" charset="0"/>
+                <a:cs typeface="Fira Code" panose="020B0809050000020004" pitchFamily="49" charset="0"/>
+              </a:rPr>
+            </a:br>
+            <a:r>
+              <a:rPr kumimoji="0" lang="fr-FR" altLang="fr-FR" sz="1000" b="0" i="0" u="none" strike="noStrike" cap="none" normalizeH="0" baseline="0" dirty="0">
+                <a:ln>
+                  <a:noFill/>
+                </a:ln>
+                <a:solidFill>
+                  <a:srgbClr val="9E880D"/>
+                </a:solidFill>
+                <a:effectLst/>
+                <a:latin typeface="Fira Code" panose="020B0809050000020004" pitchFamily="49" charset="0"/>
+                <a:cs typeface="Fira Code" panose="020B0809050000020004" pitchFamily="49" charset="0"/>
+              </a:rPr>
+              <a:t>@AllArgsConstructor</a:t>
+            </a:r>
+            <a:br>
+              <a:rPr kumimoji="0" lang="fr-FR" altLang="fr-FR" sz="1000" b="0" i="0" u="none" strike="noStrike" cap="none" normalizeH="0" baseline="0" dirty="0">
+                <a:ln>
+                  <a:noFill/>
+                </a:ln>
+                <a:solidFill>
+                  <a:srgbClr val="9E880D"/>
+                </a:solidFill>
+                <a:effectLst/>
+                <a:latin typeface="Fira Code" panose="020B0809050000020004" pitchFamily="49" charset="0"/>
+                <a:cs typeface="Fira Code" panose="020B0809050000020004" pitchFamily="49" charset="0"/>
+              </a:rPr>
+            </a:br>
+            <a:r>
+              <a:rPr kumimoji="0" lang="fr-FR" altLang="fr-FR" sz="1000" b="0" i="0" u="none" strike="noStrike" cap="none" normalizeH="0" baseline="0" dirty="0">
+                <a:ln>
+                  <a:noFill/>
+                </a:ln>
+                <a:solidFill>
+                  <a:srgbClr val="0033B3"/>
+                </a:solidFill>
+                <a:effectLst/>
+                <a:latin typeface="Fira Code" panose="020B0809050000020004" pitchFamily="49" charset="0"/>
+                <a:cs typeface="Fira Code" panose="020B0809050000020004" pitchFamily="49" charset="0"/>
+              </a:rPr>
+              <a:t>public class </a:t>
+            </a:r>
+            <a:r>
+              <a:rPr kumimoji="0" lang="fr-FR" altLang="fr-FR" sz="1000" b="0" i="0" u="none" strike="noStrike" cap="none" normalizeH="0" baseline="0" dirty="0" err="1">
+                <a:ln>
+                  <a:noFill/>
+                </a:ln>
+                <a:solidFill>
+                  <a:srgbClr val="000000"/>
+                </a:solidFill>
+                <a:effectLst/>
+                <a:latin typeface="Fira Code" panose="020B0809050000020004" pitchFamily="49" charset="0"/>
+                <a:cs typeface="Fira Code" panose="020B0809050000020004" pitchFamily="49" charset="0"/>
+              </a:rPr>
+              <a:t>SchoolView</a:t>
+            </a:r>
+            <a:r>
+              <a:rPr kumimoji="0" lang="fr-FR" altLang="fr-FR" sz="1000" b="0" i="0" u="none" strike="noStrike" cap="none" normalizeH="0" baseline="0" dirty="0">
+                <a:ln>
+                  <a:noFill/>
+                </a:ln>
+                <a:solidFill>
+                  <a:srgbClr val="000000"/>
+                </a:solidFill>
+                <a:effectLst/>
+                <a:latin typeface="Fira Code" panose="020B0809050000020004" pitchFamily="49" charset="0"/>
+                <a:cs typeface="Fira Code" panose="020B0809050000020004" pitchFamily="49" charset="0"/>
+              </a:rPr>
+              <a:t> </a:t>
+            </a:r>
+            <a:r>
+              <a:rPr kumimoji="0" lang="fr-FR" altLang="fr-FR" sz="1000" b="0" i="0" u="none" strike="noStrike" cap="none" normalizeH="0" baseline="0" dirty="0">
+                <a:ln>
+                  <a:noFill/>
+                </a:ln>
+                <a:solidFill>
+                  <a:srgbClr val="080808"/>
+                </a:solidFill>
+                <a:effectLst/>
+                <a:latin typeface="Fira Code" panose="020B0809050000020004" pitchFamily="49" charset="0"/>
+                <a:cs typeface="Fira Code" panose="020B0809050000020004" pitchFamily="49" charset="0"/>
+              </a:rPr>
+              <a:t>{</a:t>
+            </a:r>
+            <a:br>
+              <a:rPr kumimoji="0" lang="fr-FR" altLang="fr-FR" sz="1000" b="0" i="0" u="none" strike="noStrike" cap="none" normalizeH="0" baseline="0" dirty="0">
+                <a:ln>
+                  <a:noFill/>
+                </a:ln>
+                <a:solidFill>
+                  <a:srgbClr val="080808"/>
+                </a:solidFill>
+                <a:effectLst/>
+                <a:latin typeface="Fira Code" panose="020B0809050000020004" pitchFamily="49" charset="0"/>
+                <a:cs typeface="Fira Code" panose="020B0809050000020004" pitchFamily="49" charset="0"/>
+              </a:rPr>
+            </a:br>
+            <a:br>
+              <a:rPr kumimoji="0" lang="fr-FR" altLang="fr-FR" sz="1000" b="0" i="0" u="none" strike="noStrike" cap="none" normalizeH="0" baseline="0" dirty="0">
+                <a:ln>
+                  <a:noFill/>
+                </a:ln>
+                <a:solidFill>
+                  <a:srgbClr val="080808"/>
+                </a:solidFill>
+                <a:effectLst/>
+                <a:latin typeface="Fira Code" panose="020B0809050000020004" pitchFamily="49" charset="0"/>
+                <a:cs typeface="Fira Code" panose="020B0809050000020004" pitchFamily="49" charset="0"/>
+              </a:rPr>
+            </a:br>
+            <a:r>
+              <a:rPr kumimoji="0" lang="fr-FR" altLang="fr-FR" sz="1000" b="0" i="0" u="none" strike="noStrike" cap="none" normalizeH="0" baseline="0" dirty="0">
+                <a:ln>
+                  <a:noFill/>
+                </a:ln>
+                <a:solidFill>
+                  <a:srgbClr val="080808"/>
+                </a:solidFill>
+                <a:effectLst/>
+                <a:latin typeface="Fira Code" panose="020B0809050000020004" pitchFamily="49" charset="0"/>
+                <a:cs typeface="Fira Code" panose="020B0809050000020004" pitchFamily="49" charset="0"/>
+              </a:rPr>
+              <a:t>    </a:t>
+            </a:r>
+            <a:r>
+              <a:rPr kumimoji="0" lang="fr-FR" altLang="fr-FR" sz="1000" b="0" i="0" u="none" strike="noStrike" cap="none" normalizeH="0" baseline="0" dirty="0" err="1">
+                <a:ln>
+                  <a:noFill/>
+                </a:ln>
+                <a:solidFill>
+                  <a:srgbClr val="0033B3"/>
+                </a:solidFill>
+                <a:effectLst/>
+                <a:latin typeface="Fira Code" panose="020B0809050000020004" pitchFamily="49" charset="0"/>
+                <a:cs typeface="Fira Code" panose="020B0809050000020004" pitchFamily="49" charset="0"/>
+              </a:rPr>
+              <a:t>private</a:t>
+            </a:r>
+            <a:r>
+              <a:rPr kumimoji="0" lang="fr-FR" altLang="fr-FR" sz="1000" b="0" i="0" u="none" strike="noStrike" cap="none" normalizeH="0" baseline="0" dirty="0">
+                <a:ln>
+                  <a:noFill/>
+                </a:ln>
+                <a:solidFill>
+                  <a:srgbClr val="0033B3"/>
+                </a:solidFill>
+                <a:effectLst/>
+                <a:latin typeface="Fira Code" panose="020B0809050000020004" pitchFamily="49" charset="0"/>
+                <a:cs typeface="Fira Code" panose="020B0809050000020004" pitchFamily="49" charset="0"/>
+              </a:rPr>
+              <a:t> final long </a:t>
+            </a:r>
+            <a:r>
+              <a:rPr kumimoji="0" lang="fr-FR" altLang="fr-FR" sz="1000" b="0" i="0" u="none" strike="noStrike" cap="none" normalizeH="0" baseline="0" dirty="0">
+                <a:ln>
+                  <a:noFill/>
+                </a:ln>
+                <a:solidFill>
+                  <a:srgbClr val="871094"/>
+                </a:solidFill>
+                <a:effectLst/>
+                <a:latin typeface="Fira Code" panose="020B0809050000020004" pitchFamily="49" charset="0"/>
+                <a:cs typeface="Fira Code" panose="020B0809050000020004" pitchFamily="49" charset="0"/>
+              </a:rPr>
+              <a:t>id</a:t>
+            </a:r>
+            <a:r>
+              <a:rPr kumimoji="0" lang="fr-FR" altLang="fr-FR" sz="1000" b="0" i="0" u="none" strike="noStrike" cap="none" normalizeH="0" baseline="0" dirty="0">
+                <a:ln>
+                  <a:noFill/>
+                </a:ln>
+                <a:solidFill>
+                  <a:srgbClr val="080808"/>
+                </a:solidFill>
+                <a:effectLst/>
+                <a:latin typeface="Fira Code" panose="020B0809050000020004" pitchFamily="49" charset="0"/>
+                <a:cs typeface="Fira Code" panose="020B0809050000020004" pitchFamily="49" charset="0"/>
+              </a:rPr>
+              <a:t>;</a:t>
+            </a:r>
+            <a:br>
+              <a:rPr kumimoji="0" lang="fr-FR" altLang="fr-FR" sz="1000" b="0" i="0" u="none" strike="noStrike" cap="none" normalizeH="0" baseline="0" dirty="0">
+                <a:ln>
+                  <a:noFill/>
+                </a:ln>
+                <a:solidFill>
+                  <a:srgbClr val="080808"/>
+                </a:solidFill>
+                <a:effectLst/>
+                <a:latin typeface="Fira Code" panose="020B0809050000020004" pitchFamily="49" charset="0"/>
+                <a:cs typeface="Fira Code" panose="020B0809050000020004" pitchFamily="49" charset="0"/>
+              </a:rPr>
+            </a:br>
+            <a:r>
+              <a:rPr kumimoji="0" lang="fr-FR" altLang="fr-FR" sz="1000" b="0" i="0" u="none" strike="noStrike" cap="none" normalizeH="0" baseline="0" dirty="0">
+                <a:ln>
+                  <a:noFill/>
+                </a:ln>
+                <a:solidFill>
+                  <a:srgbClr val="080808"/>
+                </a:solidFill>
+                <a:effectLst/>
+                <a:latin typeface="Fira Code" panose="020B0809050000020004" pitchFamily="49" charset="0"/>
+                <a:cs typeface="Fira Code" panose="020B0809050000020004" pitchFamily="49" charset="0"/>
+              </a:rPr>
+              <a:t>    </a:t>
+            </a:r>
+            <a:r>
+              <a:rPr kumimoji="0" lang="fr-FR" altLang="fr-FR" sz="1000" b="0" i="0" u="none" strike="noStrike" cap="none" normalizeH="0" baseline="0" dirty="0" err="1">
+                <a:ln>
+                  <a:noFill/>
+                </a:ln>
+                <a:solidFill>
+                  <a:srgbClr val="0033B3"/>
+                </a:solidFill>
+                <a:effectLst/>
+                <a:latin typeface="Fira Code" panose="020B0809050000020004" pitchFamily="49" charset="0"/>
+                <a:cs typeface="Fira Code" panose="020B0809050000020004" pitchFamily="49" charset="0"/>
+              </a:rPr>
+              <a:t>private</a:t>
+            </a:r>
+            <a:r>
+              <a:rPr kumimoji="0" lang="fr-FR" altLang="fr-FR" sz="1000" b="0" i="0" u="none" strike="noStrike" cap="none" normalizeH="0" baseline="0" dirty="0">
+                <a:ln>
+                  <a:noFill/>
+                </a:ln>
+                <a:solidFill>
+                  <a:srgbClr val="0033B3"/>
+                </a:solidFill>
+                <a:effectLst/>
+                <a:latin typeface="Fira Code" panose="020B0809050000020004" pitchFamily="49" charset="0"/>
+                <a:cs typeface="Fira Code" panose="020B0809050000020004" pitchFamily="49" charset="0"/>
+              </a:rPr>
+              <a:t> final </a:t>
+            </a:r>
+            <a:r>
+              <a:rPr kumimoji="0" lang="fr-FR" altLang="fr-FR" sz="1000" b="0" i="0" u="none" strike="noStrike" cap="none" normalizeH="0" baseline="0" dirty="0">
+                <a:ln>
+                  <a:noFill/>
+                </a:ln>
+                <a:solidFill>
+                  <a:srgbClr val="000000"/>
+                </a:solidFill>
+                <a:effectLst/>
+                <a:latin typeface="Fira Code" panose="020B0809050000020004" pitchFamily="49" charset="0"/>
+                <a:cs typeface="Fira Code" panose="020B0809050000020004" pitchFamily="49" charset="0"/>
+              </a:rPr>
+              <a:t>String </a:t>
+            </a:r>
+            <a:r>
+              <a:rPr kumimoji="0" lang="fr-FR" altLang="fr-FR" sz="1000" b="0" i="0" u="none" strike="noStrike" cap="none" normalizeH="0" baseline="0" dirty="0">
+                <a:ln>
+                  <a:noFill/>
+                </a:ln>
+                <a:solidFill>
+                  <a:srgbClr val="871094"/>
+                </a:solidFill>
+                <a:effectLst/>
+                <a:latin typeface="Fira Code" panose="020B0809050000020004" pitchFamily="49" charset="0"/>
+                <a:cs typeface="Fira Code" panose="020B0809050000020004" pitchFamily="49" charset="0"/>
+              </a:rPr>
+              <a:t>location</a:t>
+            </a:r>
+            <a:r>
+              <a:rPr kumimoji="0" lang="fr-FR" altLang="fr-FR" sz="1000" b="0" i="0" u="none" strike="noStrike" cap="none" normalizeH="0" baseline="0" dirty="0">
+                <a:ln>
+                  <a:noFill/>
+                </a:ln>
+                <a:solidFill>
+                  <a:srgbClr val="080808"/>
+                </a:solidFill>
+                <a:effectLst/>
+                <a:latin typeface="Fira Code" panose="020B0809050000020004" pitchFamily="49" charset="0"/>
+                <a:cs typeface="Fira Code" panose="020B0809050000020004" pitchFamily="49" charset="0"/>
+              </a:rPr>
+              <a:t>;</a:t>
+            </a:r>
+            <a:br>
+              <a:rPr kumimoji="0" lang="fr-FR" altLang="fr-FR" sz="1000" b="0" i="0" u="none" strike="noStrike" cap="none" normalizeH="0" baseline="0" dirty="0">
+                <a:ln>
+                  <a:noFill/>
+                </a:ln>
+                <a:solidFill>
+                  <a:srgbClr val="080808"/>
+                </a:solidFill>
+                <a:effectLst/>
+                <a:latin typeface="Fira Code" panose="020B0809050000020004" pitchFamily="49" charset="0"/>
+                <a:cs typeface="Fira Code" panose="020B0809050000020004" pitchFamily="49" charset="0"/>
+              </a:rPr>
+            </a:br>
+            <a:r>
+              <a:rPr kumimoji="0" lang="fr-FR" altLang="fr-FR" sz="1000" b="0" i="0" u="none" strike="noStrike" cap="none" normalizeH="0" baseline="0" dirty="0">
+                <a:ln>
+                  <a:noFill/>
+                </a:ln>
+                <a:solidFill>
+                  <a:srgbClr val="080808"/>
+                </a:solidFill>
+                <a:effectLst/>
+                <a:latin typeface="Fira Code" panose="020B0809050000020004" pitchFamily="49" charset="0"/>
+                <a:cs typeface="Fira Code" panose="020B0809050000020004" pitchFamily="49" charset="0"/>
+              </a:rPr>
+              <a:t>    </a:t>
+            </a:r>
+            <a:r>
+              <a:rPr kumimoji="0" lang="fr-FR" altLang="fr-FR" sz="1000" b="0" i="0" u="none" strike="noStrike" cap="none" normalizeH="0" baseline="0" dirty="0" err="1">
+                <a:ln>
+                  <a:noFill/>
+                </a:ln>
+                <a:solidFill>
+                  <a:srgbClr val="0033B3"/>
+                </a:solidFill>
+                <a:effectLst/>
+                <a:latin typeface="Fira Code" panose="020B0809050000020004" pitchFamily="49" charset="0"/>
+                <a:cs typeface="Fira Code" panose="020B0809050000020004" pitchFamily="49" charset="0"/>
+              </a:rPr>
+              <a:t>private</a:t>
+            </a:r>
+            <a:r>
+              <a:rPr kumimoji="0" lang="fr-FR" altLang="fr-FR" sz="1000" b="0" i="0" u="none" strike="noStrike" cap="none" normalizeH="0" baseline="0" dirty="0">
+                <a:ln>
+                  <a:noFill/>
+                </a:ln>
+                <a:solidFill>
+                  <a:srgbClr val="0033B3"/>
+                </a:solidFill>
+                <a:effectLst/>
+                <a:latin typeface="Fira Code" panose="020B0809050000020004" pitchFamily="49" charset="0"/>
+                <a:cs typeface="Fira Code" panose="020B0809050000020004" pitchFamily="49" charset="0"/>
+              </a:rPr>
+              <a:t> final </a:t>
+            </a:r>
+            <a:r>
+              <a:rPr kumimoji="0" lang="fr-FR" altLang="fr-FR" sz="1000" b="0" i="0" u="none" strike="noStrike" cap="none" normalizeH="0" baseline="0" dirty="0">
+                <a:ln>
+                  <a:noFill/>
+                </a:ln>
+                <a:solidFill>
+                  <a:srgbClr val="000000"/>
+                </a:solidFill>
+                <a:effectLst/>
+                <a:latin typeface="Fira Code" panose="020B0809050000020004" pitchFamily="49" charset="0"/>
+                <a:cs typeface="Fira Code" panose="020B0809050000020004" pitchFamily="49" charset="0"/>
+              </a:rPr>
+              <a:t>String </a:t>
+            </a:r>
+            <a:r>
+              <a:rPr kumimoji="0" lang="fr-FR" altLang="fr-FR" sz="1000" b="0" i="0" u="none" strike="noStrike" cap="none" normalizeH="0" baseline="0" dirty="0" err="1">
+                <a:ln>
+                  <a:noFill/>
+                </a:ln>
+                <a:solidFill>
+                  <a:srgbClr val="871094"/>
+                </a:solidFill>
+                <a:effectLst/>
+                <a:latin typeface="Fira Code" panose="020B0809050000020004" pitchFamily="49" charset="0"/>
+                <a:cs typeface="Fira Code" panose="020B0809050000020004" pitchFamily="49" charset="0"/>
+              </a:rPr>
+              <a:t>name</a:t>
+            </a:r>
+            <a:r>
+              <a:rPr kumimoji="0" lang="fr-FR" altLang="fr-FR" sz="1000" b="0" i="0" u="none" strike="noStrike" cap="none" normalizeH="0" baseline="0" dirty="0">
+                <a:ln>
+                  <a:noFill/>
+                </a:ln>
+                <a:solidFill>
+                  <a:srgbClr val="080808"/>
+                </a:solidFill>
+                <a:effectLst/>
+                <a:latin typeface="Fira Code" panose="020B0809050000020004" pitchFamily="49" charset="0"/>
+                <a:cs typeface="Fira Code" panose="020B0809050000020004" pitchFamily="49" charset="0"/>
+              </a:rPr>
+              <a:t>;</a:t>
+            </a:r>
+            <a:br>
+              <a:rPr kumimoji="0" lang="fr-FR" altLang="fr-FR" sz="1000" b="0" i="0" u="none" strike="noStrike" cap="none" normalizeH="0" baseline="0" dirty="0">
+                <a:ln>
+                  <a:noFill/>
+                </a:ln>
+                <a:solidFill>
+                  <a:srgbClr val="080808"/>
+                </a:solidFill>
+                <a:effectLst/>
+                <a:latin typeface="Fira Code" panose="020B0809050000020004" pitchFamily="49" charset="0"/>
+                <a:cs typeface="Fira Code" panose="020B0809050000020004" pitchFamily="49" charset="0"/>
+              </a:rPr>
+            </a:br>
+            <a:r>
+              <a:rPr kumimoji="0" lang="fr-FR" altLang="fr-FR" sz="1000" b="0" i="0" u="none" strike="noStrike" cap="none" normalizeH="0" baseline="0" dirty="0">
+                <a:ln>
+                  <a:noFill/>
+                </a:ln>
+                <a:solidFill>
+                  <a:srgbClr val="080808"/>
+                </a:solidFill>
+                <a:effectLst/>
+                <a:latin typeface="Fira Code" panose="020B0809050000020004" pitchFamily="49" charset="0"/>
+                <a:cs typeface="Fira Code" panose="020B0809050000020004" pitchFamily="49" charset="0"/>
+              </a:rPr>
+              <a:t>    </a:t>
+            </a:r>
+            <a:r>
+              <a:rPr kumimoji="0" lang="fr-FR" altLang="fr-FR" sz="1000" b="0" i="0" u="none" strike="noStrike" cap="none" normalizeH="0" baseline="0" dirty="0" err="1">
+                <a:ln>
+                  <a:noFill/>
+                </a:ln>
+                <a:solidFill>
+                  <a:srgbClr val="0033B3"/>
+                </a:solidFill>
+                <a:effectLst/>
+                <a:latin typeface="Fira Code" panose="020B0809050000020004" pitchFamily="49" charset="0"/>
+                <a:cs typeface="Fira Code" panose="020B0809050000020004" pitchFamily="49" charset="0"/>
+              </a:rPr>
+              <a:t>private</a:t>
+            </a:r>
+            <a:r>
+              <a:rPr kumimoji="0" lang="fr-FR" altLang="fr-FR" sz="1000" b="0" i="0" u="none" strike="noStrike" cap="none" normalizeH="0" baseline="0" dirty="0">
+                <a:ln>
+                  <a:noFill/>
+                </a:ln>
+                <a:solidFill>
+                  <a:srgbClr val="0033B3"/>
+                </a:solidFill>
+                <a:effectLst/>
+                <a:latin typeface="Fira Code" panose="020B0809050000020004" pitchFamily="49" charset="0"/>
+                <a:cs typeface="Fira Code" panose="020B0809050000020004" pitchFamily="49" charset="0"/>
+              </a:rPr>
+              <a:t> final </a:t>
+            </a:r>
+            <a:r>
+              <a:rPr kumimoji="0" lang="fr-FR" altLang="fr-FR" sz="1000" b="0" i="0" u="none" strike="noStrike" cap="none" normalizeH="0" baseline="0" dirty="0">
+                <a:ln>
+                  <a:noFill/>
+                </a:ln>
+                <a:solidFill>
+                  <a:srgbClr val="000000"/>
+                </a:solidFill>
+                <a:effectLst/>
+                <a:latin typeface="Fira Code" panose="020B0809050000020004" pitchFamily="49" charset="0"/>
+                <a:cs typeface="Fira Code" panose="020B0809050000020004" pitchFamily="49" charset="0"/>
+              </a:rPr>
+              <a:t>String </a:t>
+            </a:r>
+            <a:r>
+              <a:rPr kumimoji="0" lang="fr-FR" altLang="fr-FR" sz="1000" b="0" i="0" u="none" strike="noStrike" cap="none" normalizeH="0" baseline="0" dirty="0" err="1">
+                <a:ln>
+                  <a:noFill/>
+                </a:ln>
+                <a:solidFill>
+                  <a:srgbClr val="871094"/>
+                </a:solidFill>
+                <a:effectLst/>
+                <a:latin typeface="Fira Code" panose="020B0809050000020004" pitchFamily="49" charset="0"/>
+                <a:cs typeface="Fira Code" panose="020B0809050000020004" pitchFamily="49" charset="0"/>
+              </a:rPr>
+              <a:t>directorName</a:t>
+            </a:r>
+            <a:r>
+              <a:rPr kumimoji="0" lang="fr-FR" altLang="fr-FR" sz="1000" b="0" i="0" u="none" strike="noStrike" cap="none" normalizeH="0" baseline="0" dirty="0">
+                <a:ln>
+                  <a:noFill/>
+                </a:ln>
+                <a:solidFill>
+                  <a:srgbClr val="080808"/>
+                </a:solidFill>
+                <a:effectLst/>
+                <a:latin typeface="Fira Code" panose="020B0809050000020004" pitchFamily="49" charset="0"/>
+                <a:cs typeface="Fira Code" panose="020B0809050000020004" pitchFamily="49" charset="0"/>
+              </a:rPr>
+              <a:t>;</a:t>
+            </a:r>
+            <a:br>
+              <a:rPr kumimoji="0" lang="fr-FR" altLang="fr-FR" sz="1000" b="0" i="0" u="none" strike="noStrike" cap="none" normalizeH="0" baseline="0" dirty="0">
+                <a:ln>
+                  <a:noFill/>
+                </a:ln>
+                <a:solidFill>
+                  <a:srgbClr val="080808"/>
+                </a:solidFill>
+                <a:effectLst/>
+                <a:latin typeface="Fira Code" panose="020B0809050000020004" pitchFamily="49" charset="0"/>
+                <a:cs typeface="Fira Code" panose="020B0809050000020004" pitchFamily="49" charset="0"/>
+              </a:rPr>
+            </a:br>
+            <a:r>
+              <a:rPr kumimoji="0" lang="fr-FR" altLang="fr-FR" sz="1000" b="0" i="0" u="none" strike="noStrike" cap="none" normalizeH="0" baseline="0" dirty="0">
+                <a:ln>
+                  <a:noFill/>
+                </a:ln>
+                <a:solidFill>
+                  <a:srgbClr val="080808"/>
+                </a:solidFill>
+                <a:effectLst/>
+                <a:latin typeface="Fira Code" panose="020B0809050000020004" pitchFamily="49" charset="0"/>
+                <a:cs typeface="Fira Code" panose="020B0809050000020004" pitchFamily="49" charset="0"/>
+              </a:rPr>
+              <a:t>}</a:t>
+            </a:r>
+            <a:br>
+              <a:rPr kumimoji="0" lang="fr-FR" altLang="fr-FR" sz="1000" b="0" i="0" u="none" strike="noStrike" cap="none" normalizeH="0" baseline="0" dirty="0">
+                <a:ln>
+                  <a:noFill/>
+                </a:ln>
+                <a:solidFill>
+                  <a:srgbClr val="080808"/>
+                </a:solidFill>
+                <a:effectLst/>
+                <a:latin typeface="Fira Code" panose="020B0809050000020004" pitchFamily="49" charset="0"/>
+                <a:cs typeface="Fira Code" panose="020B0809050000020004" pitchFamily="49" charset="0"/>
+              </a:rPr>
+            </a:br>
+            <a:endParaRPr kumimoji="0" lang="fr-FR" altLang="fr-FR" sz="1800" b="0" i="0" u="none" strike="noStrike" cap="none" normalizeH="0" baseline="0" dirty="0">
+              <a:ln>
+                <a:noFill/>
+              </a:ln>
+              <a:solidFill>
+                <a:schemeClr val="tx1"/>
+              </a:solidFill>
+              <a:effectLst/>
+              <a:latin typeface="Arial" panose="020B0604020202020204" pitchFamily="34" charset="0"/>
+            </a:endParaRPr>
+          </a:p>
+        </p:txBody>
+      </p:sp>
+      <p:sp>
+        <p:nvSpPr>
+          <p:cNvPr id="7" name="Rectangle 4">
+            <a:extLst>
+              <a:ext uri="{FF2B5EF4-FFF2-40B4-BE49-F238E27FC236}">
+                <a16:creationId xmlns:a16="http://schemas.microsoft.com/office/drawing/2014/main" id="{9D6F32B7-FB39-9EA8-38BC-858326634A07}"/>
+              </a:ext>
+            </a:extLst>
+          </p:cNvPr>
+          <p:cNvSpPr>
+            <a:spLocks noChangeArrowheads="1"/>
+          </p:cNvSpPr>
+          <p:nvPr/>
+        </p:nvSpPr>
+        <p:spPr bwMode="auto">
+          <a:xfrm>
+            <a:off x="601980" y="3759751"/>
+            <a:ext cx="6807941" cy="2708434"/>
+          </a:xfrm>
+          <a:prstGeom prst="rect">
+            <a:avLst/>
+          </a:prstGeom>
+          <a:solidFill>
+            <a:srgbClr val="FFFFFF"/>
+          </a:solidFill>
+          <a:ln>
+            <a:noFill/>
+          </a:ln>
+          <a:effectLst/>
+          <a:extLst>
+            <a:ext uri="{91240B29-F687-4F45-9708-019B960494DF}">
+              <a14:hiddenLine xmlns:a14="http://schemas.microsoft.com/office/drawing/2010/main" w="9525">
+                <a:solidFill>
+                  <a:schemeClr val="tx1"/>
+                </a:solidFill>
+                <a:miter lim="800000"/>
+                <a:headEnd/>
+                <a:tailEnd/>
+              </a14:hiddenLine>
+            </a:ext>
+            <a:ext uri="{AF507438-7753-43E0-B8FC-AC1667EBCBE1}">
+              <a14:hiddenEffects xmlns:a14="http://schemas.microsoft.com/office/drawing/2010/main">
+                <a:effectLst>
+                  <a:outerShdw dist="35921" dir="2700000" algn="ctr" rotWithShape="0">
+                    <a:schemeClr val="bg2"/>
+                  </a:outerShdw>
+                </a:effectLst>
+              </a14:hiddenEffects>
+            </a:ext>
+          </a:extLst>
+        </p:spPr>
+        <p:txBody>
+          <a:bodyPr vert="horz" wrap="square" lIns="91440" tIns="45720" rIns="91440" bIns="45720" numCol="1" anchor="ctr" anchorCtr="0" compatLnSpc="1">
+            <a:prstTxWarp prst="textNoShape">
+              <a:avLst/>
+            </a:prstTxWarp>
+            <a:spAutoFit/>
+          </a:bodyPr>
+          <a:lstStyle/>
+          <a:p>
+            <a:pPr marL="0" marR="0" lvl="0" indent="0" algn="l" defTabSz="914400" rtl="0" eaLnBrk="0" fontAlgn="base" latinLnBrk="0" hangingPunct="0">
+              <a:lnSpc>
+                <a:spcPct val="100000"/>
+              </a:lnSpc>
+              <a:spcBef>
+                <a:spcPct val="0"/>
+              </a:spcBef>
+              <a:spcAft>
+                <a:spcPct val="0"/>
+              </a:spcAft>
+              <a:buClrTx/>
+              <a:buSzTx/>
+              <a:buFontTx/>
+              <a:buNone/>
+              <a:tabLst/>
+            </a:pPr>
+            <a:r>
+              <a:rPr kumimoji="0" lang="fr-FR" altLang="fr-FR" sz="1000" b="0" i="0" u="none" strike="noStrike" cap="none" normalizeH="0" baseline="0" dirty="0">
+                <a:ln>
+                  <a:noFill/>
+                </a:ln>
+                <a:solidFill>
+                  <a:srgbClr val="0033B3"/>
+                </a:solidFill>
+                <a:effectLst/>
+                <a:latin typeface="Fira Code" panose="020B0809050000020004" pitchFamily="49" charset="0"/>
+                <a:cs typeface="Fira Code" panose="020B0809050000020004" pitchFamily="49" charset="0"/>
+              </a:rPr>
+              <a:t>public interface </a:t>
+            </a:r>
+            <a:r>
+              <a:rPr kumimoji="0" lang="fr-FR" altLang="fr-FR" sz="1000" b="0" i="0" u="none" strike="noStrike" cap="none" normalizeH="0" baseline="0" dirty="0" err="1">
+                <a:ln>
+                  <a:noFill/>
+                </a:ln>
+                <a:solidFill>
+                  <a:srgbClr val="000000"/>
+                </a:solidFill>
+                <a:effectLst/>
+                <a:latin typeface="Fira Code" panose="020B0809050000020004" pitchFamily="49" charset="0"/>
+                <a:cs typeface="Fira Code" panose="020B0809050000020004" pitchFamily="49" charset="0"/>
+              </a:rPr>
+              <a:t>SchoolDTO</a:t>
+            </a:r>
+            <a:r>
+              <a:rPr kumimoji="0" lang="fr-FR" altLang="fr-FR" sz="1000" b="0" i="0" u="none" strike="noStrike" cap="none" normalizeH="0" baseline="0" dirty="0">
+                <a:ln>
+                  <a:noFill/>
+                </a:ln>
+                <a:solidFill>
+                  <a:srgbClr val="000000"/>
+                </a:solidFill>
+                <a:effectLst/>
+                <a:latin typeface="Fira Code" panose="020B0809050000020004" pitchFamily="49" charset="0"/>
+                <a:cs typeface="Fira Code" panose="020B0809050000020004" pitchFamily="49" charset="0"/>
+              </a:rPr>
+              <a:t> </a:t>
+            </a:r>
+            <a:r>
+              <a:rPr kumimoji="0" lang="fr-FR" altLang="fr-FR" sz="1000" b="0" i="0" u="none" strike="noStrike" cap="none" normalizeH="0" baseline="0" dirty="0">
+                <a:ln>
+                  <a:noFill/>
+                </a:ln>
+                <a:solidFill>
+                  <a:srgbClr val="080808"/>
+                </a:solidFill>
+                <a:effectLst/>
+                <a:latin typeface="Fira Code" panose="020B0809050000020004" pitchFamily="49" charset="0"/>
+                <a:cs typeface="Fira Code" panose="020B0809050000020004" pitchFamily="49" charset="0"/>
+              </a:rPr>
+              <a:t>{</a:t>
+            </a:r>
+          </a:p>
+          <a:p>
+            <a:pPr marL="0" marR="0" lvl="0" indent="0" algn="l" defTabSz="914400" rtl="0" eaLnBrk="0" fontAlgn="base" latinLnBrk="0" hangingPunct="0">
+              <a:lnSpc>
+                <a:spcPct val="100000"/>
+              </a:lnSpc>
+              <a:spcBef>
+                <a:spcPct val="0"/>
+              </a:spcBef>
+              <a:spcAft>
+                <a:spcPct val="0"/>
+              </a:spcAft>
+              <a:buClrTx/>
+              <a:buSzTx/>
+              <a:buFontTx/>
+              <a:buNone/>
+              <a:tabLst/>
+            </a:pPr>
+            <a:br>
+              <a:rPr kumimoji="0" lang="fr-FR" altLang="fr-FR" sz="1000" b="0" i="0" u="none" strike="noStrike" cap="none" normalizeH="0" baseline="0" dirty="0">
+                <a:ln>
+                  <a:noFill/>
+                </a:ln>
+                <a:solidFill>
+                  <a:srgbClr val="080808"/>
+                </a:solidFill>
+                <a:effectLst/>
+                <a:latin typeface="Fira Code" panose="020B0809050000020004" pitchFamily="49" charset="0"/>
+                <a:cs typeface="Fira Code" panose="020B0809050000020004" pitchFamily="49" charset="0"/>
+              </a:rPr>
+            </a:br>
+            <a:r>
+              <a:rPr kumimoji="0" lang="fr-FR" altLang="fr-FR" sz="1000" b="0" i="0" u="none" strike="noStrike" cap="none" normalizeH="0" baseline="0" dirty="0">
+                <a:ln>
+                  <a:noFill/>
+                </a:ln>
+                <a:solidFill>
+                  <a:srgbClr val="080808"/>
+                </a:solidFill>
+                <a:effectLst/>
+                <a:latin typeface="Fira Code" panose="020B0809050000020004" pitchFamily="49" charset="0"/>
+                <a:cs typeface="Fira Code" panose="020B0809050000020004" pitchFamily="49" charset="0"/>
+              </a:rPr>
+              <a:t>    </a:t>
+            </a:r>
+            <a:r>
+              <a:rPr kumimoji="0" lang="fr-FR" altLang="fr-FR" sz="1000" b="0" i="0" u="none" strike="noStrike" cap="none" normalizeH="0" baseline="0" dirty="0">
+                <a:ln>
+                  <a:noFill/>
+                </a:ln>
+                <a:solidFill>
+                  <a:srgbClr val="9E880D"/>
+                </a:solidFill>
+                <a:effectLst/>
+                <a:latin typeface="Fira Code" panose="020B0809050000020004" pitchFamily="49" charset="0"/>
+                <a:cs typeface="Fira Code" panose="020B0809050000020004" pitchFamily="49" charset="0"/>
+              </a:rPr>
+              <a:t>@JsonProperty</a:t>
+            </a:r>
+            <a:r>
+              <a:rPr kumimoji="0" lang="fr-FR" altLang="fr-FR" sz="1000" b="0" i="0" u="none" strike="noStrike" cap="none" normalizeH="0" baseline="0" dirty="0">
+                <a:ln>
+                  <a:noFill/>
+                </a:ln>
+                <a:solidFill>
+                  <a:srgbClr val="080808"/>
+                </a:solidFill>
+                <a:effectLst/>
+                <a:latin typeface="Fira Code" panose="020B0809050000020004" pitchFamily="49" charset="0"/>
+                <a:cs typeface="Fira Code" panose="020B0809050000020004" pitchFamily="49" charset="0"/>
+              </a:rPr>
+              <a:t>(</a:t>
+            </a:r>
+            <a:r>
+              <a:rPr kumimoji="0" lang="fr-FR" altLang="fr-FR" sz="1000" b="0" i="0" u="none" strike="noStrike" cap="none" normalizeH="0" baseline="0" dirty="0">
+                <a:ln>
+                  <a:noFill/>
+                </a:ln>
+                <a:solidFill>
+                  <a:srgbClr val="067D17"/>
+                </a:solidFill>
+                <a:effectLst/>
+                <a:latin typeface="Fira Code" panose="020B0809050000020004" pitchFamily="49" charset="0"/>
+                <a:cs typeface="Fira Code" panose="020B0809050000020004" pitchFamily="49" charset="0"/>
+              </a:rPr>
+              <a:t>"id"</a:t>
+            </a:r>
+            <a:r>
+              <a:rPr kumimoji="0" lang="fr-FR" altLang="fr-FR" sz="1000" b="0" i="0" u="none" strike="noStrike" cap="none" normalizeH="0" baseline="0" dirty="0">
+                <a:ln>
+                  <a:noFill/>
+                </a:ln>
+                <a:solidFill>
+                  <a:srgbClr val="080808"/>
+                </a:solidFill>
+                <a:effectLst/>
+                <a:latin typeface="Fira Code" panose="020B0809050000020004" pitchFamily="49" charset="0"/>
+                <a:cs typeface="Fira Code" panose="020B0809050000020004" pitchFamily="49" charset="0"/>
+              </a:rPr>
+              <a:t>)</a:t>
+            </a:r>
+            <a:br>
+              <a:rPr kumimoji="0" lang="fr-FR" altLang="fr-FR" sz="1000" b="0" i="0" u="none" strike="noStrike" cap="none" normalizeH="0" baseline="0" dirty="0">
+                <a:ln>
+                  <a:noFill/>
+                </a:ln>
+                <a:solidFill>
+                  <a:srgbClr val="080808"/>
+                </a:solidFill>
+                <a:effectLst/>
+                <a:latin typeface="Fira Code" panose="020B0809050000020004" pitchFamily="49" charset="0"/>
+                <a:cs typeface="Fira Code" panose="020B0809050000020004" pitchFamily="49" charset="0"/>
+              </a:rPr>
+            </a:br>
+            <a:r>
+              <a:rPr kumimoji="0" lang="fr-FR" altLang="fr-FR" sz="1000" b="0" i="0" u="none" strike="noStrike" cap="none" normalizeH="0" baseline="0" dirty="0">
+                <a:ln>
+                  <a:noFill/>
+                </a:ln>
+                <a:solidFill>
+                  <a:srgbClr val="080808"/>
+                </a:solidFill>
+                <a:effectLst/>
+                <a:latin typeface="Fira Code" panose="020B0809050000020004" pitchFamily="49" charset="0"/>
+                <a:cs typeface="Fira Code" panose="020B0809050000020004" pitchFamily="49" charset="0"/>
+              </a:rPr>
+              <a:t>    </a:t>
+            </a:r>
+            <a:r>
+              <a:rPr kumimoji="0" lang="fr-FR" altLang="fr-FR" sz="1000" b="0" i="0" u="none" strike="noStrike" cap="none" normalizeH="0" baseline="0" dirty="0">
+                <a:ln>
+                  <a:noFill/>
+                </a:ln>
+                <a:solidFill>
+                  <a:srgbClr val="0033B3"/>
+                </a:solidFill>
+                <a:effectLst/>
+                <a:latin typeface="Fira Code" panose="020B0809050000020004" pitchFamily="49" charset="0"/>
+                <a:cs typeface="Fira Code" panose="020B0809050000020004" pitchFamily="49" charset="0"/>
+              </a:rPr>
+              <a:t>long </a:t>
+            </a:r>
+            <a:r>
+              <a:rPr kumimoji="0" lang="fr-FR" altLang="fr-FR" sz="1000" b="0" i="0" u="none" strike="noStrike" cap="none" normalizeH="0" baseline="0" dirty="0" err="1">
+                <a:ln>
+                  <a:noFill/>
+                </a:ln>
+                <a:solidFill>
+                  <a:srgbClr val="00627A"/>
+                </a:solidFill>
+                <a:effectLst/>
+                <a:latin typeface="Fira Code" panose="020B0809050000020004" pitchFamily="49" charset="0"/>
+                <a:cs typeface="Fira Code" panose="020B0809050000020004" pitchFamily="49" charset="0"/>
+              </a:rPr>
+              <a:t>getId</a:t>
+            </a:r>
+            <a:r>
+              <a:rPr kumimoji="0" lang="fr-FR" altLang="fr-FR" sz="1000" b="0" i="0" u="none" strike="noStrike" cap="none" normalizeH="0" baseline="0" dirty="0">
+                <a:ln>
+                  <a:noFill/>
+                </a:ln>
+                <a:solidFill>
+                  <a:srgbClr val="080808"/>
+                </a:solidFill>
+                <a:effectLst/>
+                <a:latin typeface="Fira Code" panose="020B0809050000020004" pitchFamily="49" charset="0"/>
+                <a:cs typeface="Fira Code" panose="020B0809050000020004" pitchFamily="49" charset="0"/>
+              </a:rPr>
+              <a:t>();</a:t>
+            </a:r>
+            <a:br>
+              <a:rPr kumimoji="0" lang="fr-FR" altLang="fr-FR" sz="1000" b="0" i="0" u="none" strike="noStrike" cap="none" normalizeH="0" baseline="0" dirty="0">
+                <a:ln>
+                  <a:noFill/>
+                </a:ln>
+                <a:solidFill>
+                  <a:srgbClr val="080808"/>
+                </a:solidFill>
+                <a:effectLst/>
+                <a:latin typeface="Fira Code" panose="020B0809050000020004" pitchFamily="49" charset="0"/>
+                <a:cs typeface="Fira Code" panose="020B0809050000020004" pitchFamily="49" charset="0"/>
+              </a:rPr>
+            </a:br>
+            <a:br>
+              <a:rPr kumimoji="0" lang="fr-FR" altLang="fr-FR" sz="1000" b="0" i="0" u="none" strike="noStrike" cap="none" normalizeH="0" baseline="0" dirty="0">
+                <a:ln>
+                  <a:noFill/>
+                </a:ln>
+                <a:solidFill>
+                  <a:srgbClr val="080808"/>
+                </a:solidFill>
+                <a:effectLst/>
+                <a:latin typeface="Fira Code" panose="020B0809050000020004" pitchFamily="49" charset="0"/>
+                <a:cs typeface="Fira Code" panose="020B0809050000020004" pitchFamily="49" charset="0"/>
+              </a:rPr>
+            </a:br>
+            <a:r>
+              <a:rPr kumimoji="0" lang="fr-FR" altLang="fr-FR" sz="1000" b="0" i="0" u="none" strike="noStrike" cap="none" normalizeH="0" baseline="0" dirty="0">
+                <a:ln>
+                  <a:noFill/>
+                </a:ln>
+                <a:solidFill>
+                  <a:srgbClr val="080808"/>
+                </a:solidFill>
+                <a:effectLst/>
+                <a:latin typeface="Fira Code" panose="020B0809050000020004" pitchFamily="49" charset="0"/>
+                <a:cs typeface="Fira Code" panose="020B0809050000020004" pitchFamily="49" charset="0"/>
+              </a:rPr>
+              <a:t>    </a:t>
+            </a:r>
+            <a:r>
+              <a:rPr kumimoji="0" lang="fr-FR" altLang="fr-FR" sz="1000" b="0" i="0" u="none" strike="noStrike" cap="none" normalizeH="0" baseline="0" dirty="0">
+                <a:ln>
+                  <a:noFill/>
+                </a:ln>
+                <a:solidFill>
+                  <a:srgbClr val="9E880D"/>
+                </a:solidFill>
+                <a:effectLst/>
+                <a:latin typeface="Fira Code" panose="020B0809050000020004" pitchFamily="49" charset="0"/>
+                <a:cs typeface="Fira Code" panose="020B0809050000020004" pitchFamily="49" charset="0"/>
+              </a:rPr>
+              <a:t>@JsonProperty</a:t>
+            </a:r>
+            <a:r>
+              <a:rPr kumimoji="0" lang="fr-FR" altLang="fr-FR" sz="1000" b="0" i="0" u="none" strike="noStrike" cap="none" normalizeH="0" baseline="0" dirty="0">
+                <a:ln>
+                  <a:noFill/>
+                </a:ln>
+                <a:solidFill>
+                  <a:srgbClr val="080808"/>
+                </a:solidFill>
+                <a:effectLst/>
+                <a:latin typeface="Fira Code" panose="020B0809050000020004" pitchFamily="49" charset="0"/>
+                <a:cs typeface="Fira Code" panose="020B0809050000020004" pitchFamily="49" charset="0"/>
+              </a:rPr>
+              <a:t>(</a:t>
+            </a:r>
+            <a:r>
+              <a:rPr kumimoji="0" lang="fr-FR" altLang="fr-FR" sz="1000" b="0" i="0" u="none" strike="noStrike" cap="none" normalizeH="0" baseline="0" dirty="0">
+                <a:ln>
+                  <a:noFill/>
+                </a:ln>
+                <a:solidFill>
+                  <a:srgbClr val="067D17"/>
+                </a:solidFill>
+                <a:effectLst/>
+                <a:latin typeface="Fira Code" panose="020B0809050000020004" pitchFamily="49" charset="0"/>
+                <a:cs typeface="Fira Code" panose="020B0809050000020004" pitchFamily="49" charset="0"/>
+              </a:rPr>
+              <a:t>"location"</a:t>
+            </a:r>
+            <a:r>
+              <a:rPr kumimoji="0" lang="fr-FR" altLang="fr-FR" sz="1000" b="0" i="0" u="none" strike="noStrike" cap="none" normalizeH="0" baseline="0" dirty="0">
+                <a:ln>
+                  <a:noFill/>
+                </a:ln>
+                <a:solidFill>
+                  <a:srgbClr val="080808"/>
+                </a:solidFill>
+                <a:effectLst/>
+                <a:latin typeface="Fira Code" panose="020B0809050000020004" pitchFamily="49" charset="0"/>
+                <a:cs typeface="Fira Code" panose="020B0809050000020004" pitchFamily="49" charset="0"/>
+              </a:rPr>
+              <a:t>)</a:t>
+            </a:r>
+            <a:br>
+              <a:rPr kumimoji="0" lang="fr-FR" altLang="fr-FR" sz="1000" b="0" i="0" u="none" strike="noStrike" cap="none" normalizeH="0" baseline="0" dirty="0">
+                <a:ln>
+                  <a:noFill/>
+                </a:ln>
+                <a:solidFill>
+                  <a:srgbClr val="080808"/>
+                </a:solidFill>
+                <a:effectLst/>
+                <a:latin typeface="Fira Code" panose="020B0809050000020004" pitchFamily="49" charset="0"/>
+                <a:cs typeface="Fira Code" panose="020B0809050000020004" pitchFamily="49" charset="0"/>
+              </a:rPr>
+            </a:br>
+            <a:r>
+              <a:rPr kumimoji="0" lang="fr-FR" altLang="fr-FR" sz="1000" b="0" i="0" u="none" strike="noStrike" cap="none" normalizeH="0" baseline="0" dirty="0">
+                <a:ln>
+                  <a:noFill/>
+                </a:ln>
+                <a:solidFill>
+                  <a:srgbClr val="080808"/>
+                </a:solidFill>
+                <a:effectLst/>
+                <a:latin typeface="Fira Code" panose="020B0809050000020004" pitchFamily="49" charset="0"/>
+                <a:cs typeface="Fira Code" panose="020B0809050000020004" pitchFamily="49" charset="0"/>
+              </a:rPr>
+              <a:t>    </a:t>
+            </a:r>
+            <a:r>
+              <a:rPr kumimoji="0" lang="fr-FR" altLang="fr-FR" sz="1000" b="0" i="0" u="none" strike="noStrike" cap="none" normalizeH="0" baseline="0" dirty="0">
+                <a:ln>
+                  <a:noFill/>
+                </a:ln>
+                <a:solidFill>
+                  <a:srgbClr val="000000"/>
+                </a:solidFill>
+                <a:effectLst/>
+                <a:latin typeface="Fira Code" panose="020B0809050000020004" pitchFamily="49" charset="0"/>
+                <a:cs typeface="Fira Code" panose="020B0809050000020004" pitchFamily="49" charset="0"/>
+              </a:rPr>
+              <a:t>String </a:t>
+            </a:r>
+            <a:r>
+              <a:rPr kumimoji="0" lang="fr-FR" altLang="fr-FR" sz="1000" b="0" i="0" u="none" strike="noStrike" cap="none" normalizeH="0" baseline="0" dirty="0" err="1">
+                <a:ln>
+                  <a:noFill/>
+                </a:ln>
+                <a:solidFill>
+                  <a:srgbClr val="00627A"/>
+                </a:solidFill>
+                <a:effectLst/>
+                <a:latin typeface="Fira Code" panose="020B0809050000020004" pitchFamily="49" charset="0"/>
+                <a:cs typeface="Fira Code" panose="020B0809050000020004" pitchFamily="49" charset="0"/>
+              </a:rPr>
+              <a:t>getLocation</a:t>
+            </a:r>
+            <a:r>
+              <a:rPr kumimoji="0" lang="fr-FR" altLang="fr-FR" sz="1000" b="0" i="0" u="none" strike="noStrike" cap="none" normalizeH="0" baseline="0" dirty="0">
+                <a:ln>
+                  <a:noFill/>
+                </a:ln>
+                <a:solidFill>
+                  <a:srgbClr val="080808"/>
+                </a:solidFill>
+                <a:effectLst/>
+                <a:latin typeface="Fira Code" panose="020B0809050000020004" pitchFamily="49" charset="0"/>
+                <a:cs typeface="Fira Code" panose="020B0809050000020004" pitchFamily="49" charset="0"/>
+              </a:rPr>
+              <a:t>();</a:t>
+            </a:r>
+            <a:br>
+              <a:rPr kumimoji="0" lang="fr-FR" altLang="fr-FR" sz="1000" b="0" i="0" u="none" strike="noStrike" cap="none" normalizeH="0" baseline="0" dirty="0">
+                <a:ln>
+                  <a:noFill/>
+                </a:ln>
+                <a:solidFill>
+                  <a:srgbClr val="080808"/>
+                </a:solidFill>
+                <a:effectLst/>
+                <a:latin typeface="Fira Code" panose="020B0809050000020004" pitchFamily="49" charset="0"/>
+                <a:cs typeface="Fira Code" panose="020B0809050000020004" pitchFamily="49" charset="0"/>
+              </a:rPr>
+            </a:br>
+            <a:br>
+              <a:rPr kumimoji="0" lang="fr-FR" altLang="fr-FR" sz="1000" b="0" i="0" u="none" strike="noStrike" cap="none" normalizeH="0" baseline="0" dirty="0">
+                <a:ln>
+                  <a:noFill/>
+                </a:ln>
+                <a:solidFill>
+                  <a:srgbClr val="080808"/>
+                </a:solidFill>
+                <a:effectLst/>
+                <a:latin typeface="Fira Code" panose="020B0809050000020004" pitchFamily="49" charset="0"/>
+                <a:cs typeface="Fira Code" panose="020B0809050000020004" pitchFamily="49" charset="0"/>
+              </a:rPr>
+            </a:br>
+            <a:r>
+              <a:rPr kumimoji="0" lang="fr-FR" altLang="fr-FR" sz="1000" b="0" i="0" u="none" strike="noStrike" cap="none" normalizeH="0" baseline="0" dirty="0">
+                <a:ln>
+                  <a:noFill/>
+                </a:ln>
+                <a:solidFill>
+                  <a:srgbClr val="080808"/>
+                </a:solidFill>
+                <a:effectLst/>
+                <a:latin typeface="Fira Code" panose="020B0809050000020004" pitchFamily="49" charset="0"/>
+                <a:cs typeface="Fira Code" panose="020B0809050000020004" pitchFamily="49" charset="0"/>
+              </a:rPr>
+              <a:t>    </a:t>
+            </a:r>
+            <a:r>
+              <a:rPr kumimoji="0" lang="fr-FR" altLang="fr-FR" sz="1000" b="0" i="0" u="none" strike="noStrike" cap="none" normalizeH="0" baseline="0" dirty="0">
+                <a:ln>
+                  <a:noFill/>
+                </a:ln>
+                <a:solidFill>
+                  <a:srgbClr val="9E880D"/>
+                </a:solidFill>
+                <a:effectLst/>
+                <a:latin typeface="Fira Code" panose="020B0809050000020004" pitchFamily="49" charset="0"/>
+                <a:cs typeface="Fira Code" panose="020B0809050000020004" pitchFamily="49" charset="0"/>
+              </a:rPr>
+              <a:t>@JsonProperty</a:t>
+            </a:r>
+            <a:r>
+              <a:rPr kumimoji="0" lang="fr-FR" altLang="fr-FR" sz="1000" b="0" i="0" u="none" strike="noStrike" cap="none" normalizeH="0" baseline="0" dirty="0">
+                <a:ln>
+                  <a:noFill/>
+                </a:ln>
+                <a:solidFill>
+                  <a:srgbClr val="080808"/>
+                </a:solidFill>
+                <a:effectLst/>
+                <a:latin typeface="Fira Code" panose="020B0809050000020004" pitchFamily="49" charset="0"/>
+                <a:cs typeface="Fira Code" panose="020B0809050000020004" pitchFamily="49" charset="0"/>
+              </a:rPr>
+              <a:t>(</a:t>
+            </a:r>
+            <a:r>
+              <a:rPr kumimoji="0" lang="fr-FR" altLang="fr-FR" sz="1000" b="0" i="0" u="none" strike="noStrike" cap="none" normalizeH="0" baseline="0" dirty="0">
+                <a:ln>
+                  <a:noFill/>
+                </a:ln>
+                <a:solidFill>
+                  <a:srgbClr val="067D17"/>
+                </a:solidFill>
+                <a:effectLst/>
+                <a:latin typeface="Fira Code" panose="020B0809050000020004" pitchFamily="49" charset="0"/>
+                <a:cs typeface="Fira Code" panose="020B0809050000020004" pitchFamily="49" charset="0"/>
+              </a:rPr>
+              <a:t>"name"</a:t>
+            </a:r>
+            <a:r>
+              <a:rPr kumimoji="0" lang="fr-FR" altLang="fr-FR" sz="1000" b="0" i="0" u="none" strike="noStrike" cap="none" normalizeH="0" baseline="0" dirty="0">
+                <a:ln>
+                  <a:noFill/>
+                </a:ln>
+                <a:solidFill>
+                  <a:srgbClr val="080808"/>
+                </a:solidFill>
+                <a:effectLst/>
+                <a:latin typeface="Fira Code" panose="020B0809050000020004" pitchFamily="49" charset="0"/>
+                <a:cs typeface="Fira Code" panose="020B0809050000020004" pitchFamily="49" charset="0"/>
+              </a:rPr>
+              <a:t>)</a:t>
+            </a:r>
+            <a:br>
+              <a:rPr kumimoji="0" lang="fr-FR" altLang="fr-FR" sz="1000" b="0" i="0" u="none" strike="noStrike" cap="none" normalizeH="0" baseline="0" dirty="0">
+                <a:ln>
+                  <a:noFill/>
+                </a:ln>
+                <a:solidFill>
+                  <a:srgbClr val="080808"/>
+                </a:solidFill>
+                <a:effectLst/>
+                <a:latin typeface="Fira Code" panose="020B0809050000020004" pitchFamily="49" charset="0"/>
+                <a:cs typeface="Fira Code" panose="020B0809050000020004" pitchFamily="49" charset="0"/>
+              </a:rPr>
+            </a:br>
+            <a:r>
+              <a:rPr kumimoji="0" lang="fr-FR" altLang="fr-FR" sz="1000" b="0" i="0" u="none" strike="noStrike" cap="none" normalizeH="0" baseline="0" dirty="0">
+                <a:ln>
+                  <a:noFill/>
+                </a:ln>
+                <a:solidFill>
+                  <a:srgbClr val="080808"/>
+                </a:solidFill>
+                <a:effectLst/>
+                <a:latin typeface="Fira Code" panose="020B0809050000020004" pitchFamily="49" charset="0"/>
+                <a:cs typeface="Fira Code" panose="020B0809050000020004" pitchFamily="49" charset="0"/>
+              </a:rPr>
+              <a:t>    </a:t>
+            </a:r>
+            <a:r>
+              <a:rPr kumimoji="0" lang="fr-FR" altLang="fr-FR" sz="1000" b="0" i="0" u="none" strike="noStrike" cap="none" normalizeH="0" baseline="0" dirty="0">
+                <a:ln>
+                  <a:noFill/>
+                </a:ln>
+                <a:solidFill>
+                  <a:srgbClr val="000000"/>
+                </a:solidFill>
+                <a:effectLst/>
+                <a:latin typeface="Fira Code" panose="020B0809050000020004" pitchFamily="49" charset="0"/>
+                <a:cs typeface="Fira Code" panose="020B0809050000020004" pitchFamily="49" charset="0"/>
+              </a:rPr>
+              <a:t>String </a:t>
+            </a:r>
+            <a:r>
+              <a:rPr kumimoji="0" lang="fr-FR" altLang="fr-FR" sz="1000" b="0" i="0" u="none" strike="noStrike" cap="none" normalizeH="0" baseline="0" dirty="0" err="1">
+                <a:ln>
+                  <a:noFill/>
+                </a:ln>
+                <a:solidFill>
+                  <a:srgbClr val="00627A"/>
+                </a:solidFill>
+                <a:effectLst/>
+                <a:latin typeface="Fira Code" panose="020B0809050000020004" pitchFamily="49" charset="0"/>
+                <a:cs typeface="Fira Code" panose="020B0809050000020004" pitchFamily="49" charset="0"/>
+              </a:rPr>
+              <a:t>getName</a:t>
+            </a:r>
+            <a:r>
+              <a:rPr kumimoji="0" lang="fr-FR" altLang="fr-FR" sz="1000" b="0" i="0" u="none" strike="noStrike" cap="none" normalizeH="0" baseline="0" dirty="0">
+                <a:ln>
+                  <a:noFill/>
+                </a:ln>
+                <a:solidFill>
+                  <a:srgbClr val="080808"/>
+                </a:solidFill>
+                <a:effectLst/>
+                <a:latin typeface="Fira Code" panose="020B0809050000020004" pitchFamily="49" charset="0"/>
+                <a:cs typeface="Fira Code" panose="020B0809050000020004" pitchFamily="49" charset="0"/>
+              </a:rPr>
+              <a:t>();</a:t>
+            </a:r>
+            <a:br>
+              <a:rPr kumimoji="0" lang="fr-FR" altLang="fr-FR" sz="1000" b="0" i="0" u="none" strike="noStrike" cap="none" normalizeH="0" baseline="0" dirty="0">
+                <a:ln>
+                  <a:noFill/>
+                </a:ln>
+                <a:solidFill>
+                  <a:srgbClr val="080808"/>
+                </a:solidFill>
+                <a:effectLst/>
+                <a:latin typeface="Fira Code" panose="020B0809050000020004" pitchFamily="49" charset="0"/>
+                <a:cs typeface="Fira Code" panose="020B0809050000020004" pitchFamily="49" charset="0"/>
+              </a:rPr>
+            </a:br>
+            <a:br>
+              <a:rPr kumimoji="0" lang="fr-FR" altLang="fr-FR" sz="1000" b="0" i="0" u="none" strike="noStrike" cap="none" normalizeH="0" baseline="0" dirty="0">
+                <a:ln>
+                  <a:noFill/>
+                </a:ln>
+                <a:solidFill>
+                  <a:srgbClr val="080808"/>
+                </a:solidFill>
+                <a:effectLst/>
+                <a:latin typeface="Fira Code" panose="020B0809050000020004" pitchFamily="49" charset="0"/>
+                <a:cs typeface="Fira Code" panose="020B0809050000020004" pitchFamily="49" charset="0"/>
+              </a:rPr>
+            </a:br>
+            <a:r>
+              <a:rPr kumimoji="0" lang="fr-FR" altLang="fr-FR" sz="1000" b="0" i="0" u="none" strike="noStrike" cap="none" normalizeH="0" baseline="0" dirty="0">
+                <a:ln>
+                  <a:noFill/>
+                </a:ln>
+                <a:solidFill>
+                  <a:srgbClr val="080808"/>
+                </a:solidFill>
+                <a:effectLst/>
+                <a:latin typeface="Fira Code" panose="020B0809050000020004" pitchFamily="49" charset="0"/>
+                <a:cs typeface="Fira Code" panose="020B0809050000020004" pitchFamily="49" charset="0"/>
+              </a:rPr>
+              <a:t>    </a:t>
+            </a:r>
+            <a:r>
+              <a:rPr kumimoji="0" lang="fr-FR" altLang="fr-FR" sz="1000" b="0" i="0" u="none" strike="noStrike" cap="none" normalizeH="0" baseline="0" dirty="0">
+                <a:ln>
+                  <a:noFill/>
+                </a:ln>
+                <a:solidFill>
+                  <a:srgbClr val="9E880D"/>
+                </a:solidFill>
+                <a:effectLst/>
+                <a:latin typeface="Fira Code" panose="020B0809050000020004" pitchFamily="49" charset="0"/>
+                <a:cs typeface="Fira Code" panose="020B0809050000020004" pitchFamily="49" charset="0"/>
+              </a:rPr>
+              <a:t>@JsonProperty</a:t>
+            </a:r>
+            <a:r>
+              <a:rPr kumimoji="0" lang="fr-FR" altLang="fr-FR" sz="1000" b="0" i="0" u="none" strike="noStrike" cap="none" normalizeH="0" baseline="0" dirty="0">
+                <a:ln>
+                  <a:noFill/>
+                </a:ln>
+                <a:solidFill>
+                  <a:srgbClr val="080808"/>
+                </a:solidFill>
+                <a:effectLst/>
+                <a:latin typeface="Fira Code" panose="020B0809050000020004" pitchFamily="49" charset="0"/>
+                <a:cs typeface="Fira Code" panose="020B0809050000020004" pitchFamily="49" charset="0"/>
+              </a:rPr>
+              <a:t>(</a:t>
+            </a:r>
+            <a:r>
+              <a:rPr kumimoji="0" lang="fr-FR" altLang="fr-FR" sz="1000" b="0" i="0" u="none" strike="noStrike" cap="none" normalizeH="0" baseline="0" dirty="0">
+                <a:ln>
+                  <a:noFill/>
+                </a:ln>
+                <a:solidFill>
+                  <a:srgbClr val="067D17"/>
+                </a:solidFill>
+                <a:effectLst/>
+                <a:latin typeface="Fira Code" panose="020B0809050000020004" pitchFamily="49" charset="0"/>
+                <a:cs typeface="Fira Code" panose="020B0809050000020004" pitchFamily="49" charset="0"/>
+              </a:rPr>
+              <a:t>"directorName"</a:t>
+            </a:r>
+            <a:r>
+              <a:rPr kumimoji="0" lang="fr-FR" altLang="fr-FR" sz="1000" b="0" i="0" u="none" strike="noStrike" cap="none" normalizeH="0" baseline="0" dirty="0">
+                <a:ln>
+                  <a:noFill/>
+                </a:ln>
+                <a:solidFill>
+                  <a:srgbClr val="080808"/>
+                </a:solidFill>
+                <a:effectLst/>
+                <a:latin typeface="Fira Code" panose="020B0809050000020004" pitchFamily="49" charset="0"/>
+                <a:cs typeface="Fira Code" panose="020B0809050000020004" pitchFamily="49" charset="0"/>
+              </a:rPr>
+              <a:t>)</a:t>
+            </a:r>
+            <a:br>
+              <a:rPr kumimoji="0" lang="fr-FR" altLang="fr-FR" sz="1000" b="0" i="0" u="none" strike="noStrike" cap="none" normalizeH="0" baseline="0" dirty="0">
+                <a:ln>
+                  <a:noFill/>
+                </a:ln>
+                <a:solidFill>
+                  <a:srgbClr val="080808"/>
+                </a:solidFill>
+                <a:effectLst/>
+                <a:latin typeface="Fira Code" panose="020B0809050000020004" pitchFamily="49" charset="0"/>
+                <a:cs typeface="Fira Code" panose="020B0809050000020004" pitchFamily="49" charset="0"/>
+              </a:rPr>
+            </a:br>
+            <a:r>
+              <a:rPr kumimoji="0" lang="fr-FR" altLang="fr-FR" sz="1000" b="0" i="0" u="none" strike="noStrike" cap="none" normalizeH="0" baseline="0" dirty="0">
+                <a:ln>
+                  <a:noFill/>
+                </a:ln>
+                <a:solidFill>
+                  <a:srgbClr val="080808"/>
+                </a:solidFill>
+                <a:effectLst/>
+                <a:latin typeface="Fira Code" panose="020B0809050000020004" pitchFamily="49" charset="0"/>
+                <a:cs typeface="Fira Code" panose="020B0809050000020004" pitchFamily="49" charset="0"/>
+              </a:rPr>
+              <a:t>    </a:t>
+            </a:r>
+            <a:r>
+              <a:rPr kumimoji="0" lang="fr-FR" altLang="fr-FR" sz="1000" b="0" i="0" u="none" strike="noStrike" cap="none" normalizeH="0" baseline="0" dirty="0">
+                <a:ln>
+                  <a:noFill/>
+                </a:ln>
+                <a:solidFill>
+                  <a:srgbClr val="000000"/>
+                </a:solidFill>
+                <a:effectLst/>
+                <a:latin typeface="Fira Code" panose="020B0809050000020004" pitchFamily="49" charset="0"/>
+                <a:cs typeface="Fira Code" panose="020B0809050000020004" pitchFamily="49" charset="0"/>
+              </a:rPr>
+              <a:t>String </a:t>
+            </a:r>
+            <a:r>
+              <a:rPr kumimoji="0" lang="fr-FR" altLang="fr-FR" sz="1000" b="0" i="0" u="none" strike="noStrike" cap="none" normalizeH="0" baseline="0" dirty="0" err="1">
+                <a:ln>
+                  <a:noFill/>
+                </a:ln>
+                <a:solidFill>
+                  <a:srgbClr val="00627A"/>
+                </a:solidFill>
+                <a:effectLst/>
+                <a:latin typeface="Fira Code" panose="020B0809050000020004" pitchFamily="49" charset="0"/>
+                <a:cs typeface="Fira Code" panose="020B0809050000020004" pitchFamily="49" charset="0"/>
+              </a:rPr>
+              <a:t>getDirectorName</a:t>
+            </a:r>
+            <a:r>
+              <a:rPr kumimoji="0" lang="fr-FR" altLang="fr-FR" sz="1000" b="0" i="0" u="none" strike="noStrike" cap="none" normalizeH="0" baseline="0" dirty="0">
+                <a:ln>
+                  <a:noFill/>
+                </a:ln>
+                <a:solidFill>
+                  <a:srgbClr val="080808"/>
+                </a:solidFill>
+                <a:effectLst/>
+                <a:latin typeface="Fira Code" panose="020B0809050000020004" pitchFamily="49" charset="0"/>
+                <a:cs typeface="Fira Code" panose="020B0809050000020004" pitchFamily="49" charset="0"/>
+              </a:rPr>
+              <a:t>();</a:t>
+            </a:r>
+            <a:br>
+              <a:rPr kumimoji="0" lang="fr-FR" altLang="fr-FR" sz="1000" b="0" i="0" u="none" strike="noStrike" cap="none" normalizeH="0" baseline="0" dirty="0">
+                <a:ln>
+                  <a:noFill/>
+                </a:ln>
+                <a:solidFill>
+                  <a:srgbClr val="080808"/>
+                </a:solidFill>
+                <a:effectLst/>
+                <a:latin typeface="Fira Code" panose="020B0809050000020004" pitchFamily="49" charset="0"/>
+                <a:cs typeface="Fira Code" panose="020B0809050000020004" pitchFamily="49" charset="0"/>
+              </a:rPr>
+            </a:br>
+            <a:br>
+              <a:rPr kumimoji="0" lang="fr-FR" altLang="fr-FR" sz="1000" b="0" i="0" u="none" strike="noStrike" cap="none" normalizeH="0" baseline="0" dirty="0">
+                <a:ln>
+                  <a:noFill/>
+                </a:ln>
+                <a:solidFill>
+                  <a:srgbClr val="080808"/>
+                </a:solidFill>
+                <a:effectLst/>
+                <a:latin typeface="Fira Code" panose="020B0809050000020004" pitchFamily="49" charset="0"/>
+                <a:cs typeface="Fira Code" panose="020B0809050000020004" pitchFamily="49" charset="0"/>
+              </a:rPr>
+            </a:br>
+            <a:r>
+              <a:rPr kumimoji="0" lang="fr-FR" altLang="fr-FR" sz="1000" b="0" i="0" u="none" strike="noStrike" cap="none" normalizeH="0" baseline="0" dirty="0">
+                <a:ln>
+                  <a:noFill/>
+                </a:ln>
+                <a:solidFill>
+                  <a:srgbClr val="080808"/>
+                </a:solidFill>
+                <a:effectLst/>
+                <a:latin typeface="Fira Code" panose="020B0809050000020004" pitchFamily="49" charset="0"/>
+                <a:cs typeface="Fira Code" panose="020B0809050000020004" pitchFamily="49" charset="0"/>
+              </a:rPr>
+              <a:t>    </a:t>
+            </a:r>
+            <a:r>
+              <a:rPr kumimoji="0" lang="fr-FR" altLang="fr-FR" sz="1000" b="0" i="0" u="none" strike="noStrike" cap="none" normalizeH="0" baseline="0" dirty="0">
+                <a:ln>
+                  <a:noFill/>
+                </a:ln>
+                <a:solidFill>
+                  <a:srgbClr val="9E880D"/>
+                </a:solidFill>
+                <a:effectLst/>
+                <a:latin typeface="Fira Code" panose="020B0809050000020004" pitchFamily="49" charset="0"/>
+                <a:cs typeface="Fira Code" panose="020B0809050000020004" pitchFamily="49" charset="0"/>
+              </a:rPr>
+              <a:t>@Value</a:t>
+            </a:r>
+            <a:r>
+              <a:rPr kumimoji="0" lang="fr-FR" altLang="fr-FR" sz="1000" b="0" i="0" u="none" strike="noStrike" cap="none" normalizeH="0" baseline="0" dirty="0">
+                <a:ln>
+                  <a:noFill/>
+                </a:ln>
+                <a:solidFill>
+                  <a:srgbClr val="080808"/>
+                </a:solidFill>
+                <a:effectLst/>
+                <a:latin typeface="Fira Code" panose="020B0809050000020004" pitchFamily="49" charset="0"/>
+                <a:cs typeface="Fira Code" panose="020B0809050000020004" pitchFamily="49" charset="0"/>
+              </a:rPr>
+              <a:t>(</a:t>
+            </a:r>
+            <a:r>
+              <a:rPr kumimoji="0" lang="fr-FR" altLang="fr-FR" sz="1000" b="0" i="0" u="none" strike="noStrike" cap="none" normalizeH="0" baseline="0" dirty="0">
+                <a:ln>
+                  <a:noFill/>
+                </a:ln>
+                <a:solidFill>
+                  <a:srgbClr val="067D17"/>
+                </a:solidFill>
+                <a:effectLst/>
+                <a:latin typeface="Fira Code" panose="020B0809050000020004" pitchFamily="49" charset="0"/>
+                <a:cs typeface="Fira Code" panose="020B0809050000020004" pitchFamily="49" charset="0"/>
+              </a:rPr>
+              <a:t>"#{ target.name + ' -&gt; ' + </a:t>
+            </a:r>
+            <a:r>
+              <a:rPr kumimoji="0" lang="fr-FR" altLang="fr-FR" sz="1000" b="0" i="0" u="none" strike="noStrike" cap="none" normalizeH="0" baseline="0" dirty="0" err="1">
+                <a:ln>
+                  <a:noFill/>
+                </a:ln>
+                <a:solidFill>
+                  <a:srgbClr val="067D17"/>
+                </a:solidFill>
+                <a:effectLst/>
+                <a:latin typeface="Fira Code" panose="020B0809050000020004" pitchFamily="49" charset="0"/>
+                <a:cs typeface="Fira Code" panose="020B0809050000020004" pitchFamily="49" charset="0"/>
+              </a:rPr>
+              <a:t>target.location</a:t>
+            </a:r>
+            <a:r>
+              <a:rPr kumimoji="0" lang="fr-FR" altLang="fr-FR" sz="1000" b="0" i="0" u="none" strike="noStrike" cap="none" normalizeH="0" baseline="0" dirty="0">
+                <a:ln>
+                  <a:noFill/>
+                </a:ln>
+                <a:solidFill>
+                  <a:srgbClr val="067D17"/>
+                </a:solidFill>
+                <a:effectLst/>
+                <a:latin typeface="Fira Code" panose="020B0809050000020004" pitchFamily="49" charset="0"/>
+                <a:cs typeface="Fira Code" panose="020B0809050000020004" pitchFamily="49" charset="0"/>
+              </a:rPr>
+              <a:t> }"</a:t>
+            </a:r>
+            <a:r>
+              <a:rPr kumimoji="0" lang="fr-FR" altLang="fr-FR" sz="1000" b="0" i="0" u="none" strike="noStrike" cap="none" normalizeH="0" baseline="0" dirty="0">
+                <a:ln>
+                  <a:noFill/>
+                </a:ln>
+                <a:solidFill>
+                  <a:srgbClr val="080808"/>
+                </a:solidFill>
+                <a:effectLst/>
+                <a:latin typeface="Fira Code" panose="020B0809050000020004" pitchFamily="49" charset="0"/>
+                <a:cs typeface="Fira Code" panose="020B0809050000020004" pitchFamily="49" charset="0"/>
+              </a:rPr>
+              <a:t>)</a:t>
+            </a:r>
+            <a:br>
+              <a:rPr kumimoji="0" lang="fr-FR" altLang="fr-FR" sz="1000" b="0" i="0" u="none" strike="noStrike" cap="none" normalizeH="0" baseline="0" dirty="0">
+                <a:ln>
+                  <a:noFill/>
+                </a:ln>
+                <a:solidFill>
+                  <a:srgbClr val="080808"/>
+                </a:solidFill>
+                <a:effectLst/>
+                <a:latin typeface="Fira Code" panose="020B0809050000020004" pitchFamily="49" charset="0"/>
+                <a:cs typeface="Fira Code" panose="020B0809050000020004" pitchFamily="49" charset="0"/>
+              </a:rPr>
+            </a:br>
+            <a:r>
+              <a:rPr kumimoji="0" lang="fr-FR" altLang="fr-FR" sz="1000" b="0" i="0" u="none" strike="noStrike" cap="none" normalizeH="0" baseline="0" dirty="0">
+                <a:ln>
+                  <a:noFill/>
+                </a:ln>
+                <a:solidFill>
+                  <a:srgbClr val="080808"/>
+                </a:solidFill>
+                <a:effectLst/>
+                <a:latin typeface="Fira Code" panose="020B0809050000020004" pitchFamily="49" charset="0"/>
+                <a:cs typeface="Fira Code" panose="020B0809050000020004" pitchFamily="49" charset="0"/>
+              </a:rPr>
+              <a:t>    </a:t>
+            </a:r>
+            <a:r>
+              <a:rPr kumimoji="0" lang="fr-FR" altLang="fr-FR" sz="1000" b="0" i="0" u="none" strike="noStrike" cap="none" normalizeH="0" baseline="0" dirty="0">
+                <a:ln>
+                  <a:noFill/>
+                </a:ln>
+                <a:solidFill>
+                  <a:srgbClr val="000000"/>
+                </a:solidFill>
+                <a:effectLst/>
+                <a:latin typeface="Fira Code" panose="020B0809050000020004" pitchFamily="49" charset="0"/>
+                <a:cs typeface="Fira Code" panose="020B0809050000020004" pitchFamily="49" charset="0"/>
+              </a:rPr>
+              <a:t>String </a:t>
+            </a:r>
+            <a:r>
+              <a:rPr kumimoji="0" lang="fr-FR" altLang="fr-FR" sz="1000" b="0" i="0" u="none" strike="noStrike" cap="none" normalizeH="0" baseline="0" dirty="0" err="1">
+                <a:ln>
+                  <a:noFill/>
+                </a:ln>
+                <a:solidFill>
+                  <a:srgbClr val="00627A"/>
+                </a:solidFill>
+                <a:effectLst/>
+                <a:latin typeface="Fira Code" panose="020B0809050000020004" pitchFamily="49" charset="0"/>
+                <a:cs typeface="Fira Code" panose="020B0809050000020004" pitchFamily="49" charset="0"/>
+              </a:rPr>
+              <a:t>getNameLocation</a:t>
+            </a:r>
+            <a:r>
+              <a:rPr kumimoji="0" lang="fr-FR" altLang="fr-FR" sz="1000" b="0" i="0" u="none" strike="noStrike" cap="none" normalizeH="0" baseline="0" dirty="0">
+                <a:ln>
+                  <a:noFill/>
+                </a:ln>
+                <a:solidFill>
+                  <a:srgbClr val="080808"/>
+                </a:solidFill>
+                <a:effectLst/>
+                <a:latin typeface="Fira Code" panose="020B0809050000020004" pitchFamily="49" charset="0"/>
+                <a:cs typeface="Fira Code" panose="020B0809050000020004" pitchFamily="49" charset="0"/>
+              </a:rPr>
+              <a:t>();</a:t>
+            </a:r>
+            <a:br>
+              <a:rPr kumimoji="0" lang="fr-FR" altLang="fr-FR" sz="1000" b="0" i="0" u="none" strike="noStrike" cap="none" normalizeH="0" baseline="0" dirty="0">
+                <a:ln>
+                  <a:noFill/>
+                </a:ln>
+                <a:solidFill>
+                  <a:srgbClr val="080808"/>
+                </a:solidFill>
+                <a:effectLst/>
+                <a:latin typeface="Fira Code" panose="020B0809050000020004" pitchFamily="49" charset="0"/>
+                <a:cs typeface="Fira Code" panose="020B0809050000020004" pitchFamily="49" charset="0"/>
+              </a:rPr>
+            </a:br>
+            <a:r>
+              <a:rPr kumimoji="0" lang="fr-FR" altLang="fr-FR" sz="1000" b="0" i="0" u="none" strike="noStrike" cap="none" normalizeH="0" baseline="0" dirty="0">
+                <a:ln>
+                  <a:noFill/>
+                </a:ln>
+                <a:solidFill>
+                  <a:srgbClr val="080808"/>
+                </a:solidFill>
+                <a:effectLst/>
+                <a:latin typeface="Fira Code" panose="020B0809050000020004" pitchFamily="49" charset="0"/>
+                <a:cs typeface="Fira Code" panose="020B0809050000020004" pitchFamily="49" charset="0"/>
+              </a:rPr>
+              <a:t>}</a:t>
+            </a:r>
+            <a:endParaRPr kumimoji="0" lang="fr-FR" altLang="fr-FR" sz="1800" b="0" i="0" u="none" strike="noStrike" cap="none" normalizeH="0" baseline="0" dirty="0">
+              <a:ln>
+                <a:noFill/>
+              </a:ln>
+              <a:solidFill>
+                <a:schemeClr val="tx1"/>
+              </a:solidFill>
+              <a:effectLst/>
+              <a:latin typeface="Arial" panose="020B0604020202020204" pitchFamily="34" charset="0"/>
+            </a:endParaRPr>
           </a:p>
         </p:txBody>
       </p:sp>
@@ -3996,7 +5804,7 @@
         <p:spPr>
           <a:xfrm>
             <a:off x="521207" y="1243786"/>
-            <a:ext cx="10961915" cy="1200329"/>
+            <a:ext cx="10961915" cy="2031325"/>
           </a:xfrm>
           <a:prstGeom prst="rect">
             <a:avLst/>
@@ -4014,12 +5822,16 @@
               <a:buChar char="Ø"/>
             </a:pPr>
             <a:r>
+              <a:rPr lang="fr-FR" dirty="0"/>
+              <a:t>Objet « </a:t>
+            </a:r>
+            <a:r>
               <a:rPr lang="fr-FR" dirty="0" err="1"/>
-              <a:t>Easy</a:t>
+              <a:t>Pageable</a:t>
             </a:r>
             <a:r>
               <a:rPr lang="fr-FR" dirty="0"/>
-              <a:t> ?</a:t>
+              <a:t> »</a:t>
             </a:r>
           </a:p>
           <a:p>
@@ -4037,7 +5849,418 @@
             <a:endParaRPr lang="fr-FR" dirty="0"/>
           </a:p>
           <a:p>
+            <a:pPr marL="285750" indent="-285750">
+              <a:buFont typeface="Wingdings" panose="05000000000000000000" pitchFamily="2" charset="2"/>
+              <a:buChar char="Ø"/>
+            </a:pPr>
             <a:endParaRPr lang="fr-FR" dirty="0"/>
+          </a:p>
+          <a:p>
+            <a:pPr marL="285750" indent="-285750">
+              <a:buFont typeface="Wingdings" panose="05000000000000000000" pitchFamily="2" charset="2"/>
+              <a:buChar char="Ø"/>
+            </a:pPr>
+            <a:endParaRPr lang="fr-FR" dirty="0"/>
+          </a:p>
+          <a:p>
+            <a:pPr marL="285750" indent="-285750">
+              <a:buFont typeface="Wingdings" panose="05000000000000000000" pitchFamily="2" charset="2"/>
+              <a:buChar char="Ø"/>
+            </a:pPr>
+            <a:r>
+              <a:rPr lang="fr-FR" dirty="0"/>
+              <a:t>On peut mixer ça avec de la projection (Dashboard)</a:t>
+            </a:r>
+          </a:p>
+          <a:p>
+            <a:pPr marL="285750" indent="-285750">
+              <a:buFont typeface="Wingdings" panose="05000000000000000000" pitchFamily="2" charset="2"/>
+              <a:buChar char="Ø"/>
+            </a:pPr>
+            <a:endParaRPr lang="fr-FR" dirty="0"/>
+          </a:p>
+        </p:txBody>
+      </p:sp>
+      <p:sp>
+        <p:nvSpPr>
+          <p:cNvPr id="3" name="Rectangle 1">
+            <a:extLst>
+              <a:ext uri="{FF2B5EF4-FFF2-40B4-BE49-F238E27FC236}">
+                <a16:creationId xmlns:a16="http://schemas.microsoft.com/office/drawing/2014/main" id="{AD341720-4629-F4A8-F39E-DBC8C8410803}"/>
+              </a:ext>
+            </a:extLst>
+          </p:cNvPr>
+          <p:cNvSpPr>
+            <a:spLocks noChangeArrowheads="1"/>
+          </p:cNvSpPr>
+          <p:nvPr/>
+        </p:nvSpPr>
+        <p:spPr bwMode="auto">
+          <a:xfrm>
+            <a:off x="600700" y="1608256"/>
+            <a:ext cx="5199399" cy="246221"/>
+          </a:xfrm>
+          <a:prstGeom prst="rect">
+            <a:avLst/>
+          </a:prstGeom>
+          <a:solidFill>
+            <a:srgbClr val="FFFFFF"/>
+          </a:solidFill>
+          <a:ln>
+            <a:noFill/>
+          </a:ln>
+          <a:effectLst/>
+          <a:extLst>
+            <a:ext uri="{91240B29-F687-4F45-9708-019B960494DF}">
+              <a14:hiddenLine xmlns:a14="http://schemas.microsoft.com/office/drawing/2010/main" w="9525">
+                <a:solidFill>
+                  <a:schemeClr val="tx1"/>
+                </a:solidFill>
+                <a:miter lim="800000"/>
+                <a:headEnd/>
+                <a:tailEnd/>
+              </a14:hiddenLine>
+            </a:ext>
+            <a:ext uri="{AF507438-7753-43E0-B8FC-AC1667EBCBE1}">
+              <a14:hiddenEffects xmlns:a14="http://schemas.microsoft.com/office/drawing/2010/main">
+                <a:effectLst>
+                  <a:outerShdw dist="35921" dir="2700000" algn="ctr" rotWithShape="0">
+                    <a:schemeClr val="bg2"/>
+                  </a:outerShdw>
+                </a:effectLst>
+              </a14:hiddenEffects>
+            </a:ext>
+          </a:extLst>
+        </p:spPr>
+        <p:txBody>
+          <a:bodyPr vert="horz" wrap="square" lIns="91440" tIns="45720" rIns="91440" bIns="45720" numCol="1" anchor="ctr" anchorCtr="0" compatLnSpc="1">
+            <a:prstTxWarp prst="textNoShape">
+              <a:avLst/>
+            </a:prstTxWarp>
+            <a:spAutoFit/>
+          </a:bodyPr>
+          <a:lstStyle/>
+          <a:p>
+            <a:pPr marL="0" marR="0" lvl="0" indent="0" algn="l" defTabSz="914400" rtl="0" eaLnBrk="0" fontAlgn="base" latinLnBrk="0" hangingPunct="0">
+              <a:lnSpc>
+                <a:spcPct val="100000"/>
+              </a:lnSpc>
+              <a:spcBef>
+                <a:spcPct val="0"/>
+              </a:spcBef>
+              <a:spcAft>
+                <a:spcPct val="0"/>
+              </a:spcAft>
+              <a:buClrTx/>
+              <a:buSzTx/>
+              <a:buFontTx/>
+              <a:buNone/>
+              <a:tabLst/>
+            </a:pPr>
+            <a:r>
+              <a:rPr kumimoji="0" lang="fr-FR" altLang="fr-FR" sz="1000" b="0" i="0" u="none" strike="noStrike" cap="none" normalizeH="0" baseline="0" dirty="0" err="1">
+                <a:ln>
+                  <a:noFill/>
+                </a:ln>
+                <a:solidFill>
+                  <a:srgbClr val="000000"/>
+                </a:solidFill>
+                <a:effectLst/>
+                <a:latin typeface="Fira Code" panose="020B0809050000020004" pitchFamily="49" charset="0"/>
+                <a:cs typeface="Fira Code" panose="020B0809050000020004" pitchFamily="49" charset="0"/>
+              </a:rPr>
+              <a:t>Pageable</a:t>
+            </a:r>
+            <a:r>
+              <a:rPr kumimoji="0" lang="fr-FR" altLang="fr-FR" sz="1000" b="0" i="0" u="none" strike="noStrike" cap="none" normalizeH="0" baseline="0" dirty="0">
+                <a:ln>
+                  <a:noFill/>
+                </a:ln>
+                <a:solidFill>
+                  <a:srgbClr val="000000"/>
+                </a:solidFill>
+                <a:effectLst/>
+                <a:latin typeface="Fira Code" panose="020B0809050000020004" pitchFamily="49" charset="0"/>
+                <a:cs typeface="Fira Code" panose="020B0809050000020004" pitchFamily="49" charset="0"/>
+              </a:rPr>
+              <a:t> </a:t>
+            </a:r>
+            <a:r>
+              <a:rPr kumimoji="0" lang="fr-FR" altLang="fr-FR" sz="1000" b="0" i="0" u="none" strike="noStrike" cap="none" normalizeH="0" baseline="0" dirty="0" err="1">
+                <a:ln>
+                  <a:noFill/>
+                </a:ln>
+                <a:solidFill>
+                  <a:srgbClr val="000000"/>
+                </a:solidFill>
+                <a:effectLst/>
+                <a:latin typeface="Fira Code" panose="020B0809050000020004" pitchFamily="49" charset="0"/>
+                <a:cs typeface="Fira Code" panose="020B0809050000020004" pitchFamily="49" charset="0"/>
+              </a:rPr>
+              <a:t>pageable</a:t>
+            </a:r>
+            <a:r>
+              <a:rPr kumimoji="0" lang="fr-FR" altLang="fr-FR" sz="1000" b="0" i="0" u="none" strike="noStrike" cap="none" normalizeH="0" baseline="0" dirty="0">
+                <a:ln>
+                  <a:noFill/>
+                </a:ln>
+                <a:solidFill>
+                  <a:srgbClr val="000000"/>
+                </a:solidFill>
+                <a:effectLst/>
+                <a:latin typeface="Fira Code" panose="020B0809050000020004" pitchFamily="49" charset="0"/>
+                <a:cs typeface="Fira Code" panose="020B0809050000020004" pitchFamily="49" charset="0"/>
+              </a:rPr>
+              <a:t> </a:t>
+            </a:r>
+            <a:r>
+              <a:rPr kumimoji="0" lang="fr-FR" altLang="fr-FR" sz="1000" b="0" i="0" u="none" strike="noStrike" cap="none" normalizeH="0" baseline="0" dirty="0">
+                <a:ln>
+                  <a:noFill/>
+                </a:ln>
+                <a:solidFill>
+                  <a:srgbClr val="080808"/>
+                </a:solidFill>
+                <a:effectLst/>
+                <a:latin typeface="Fira Code" panose="020B0809050000020004" pitchFamily="49" charset="0"/>
+                <a:cs typeface="Fira Code" panose="020B0809050000020004" pitchFamily="49" charset="0"/>
+              </a:rPr>
+              <a:t>= </a:t>
+            </a:r>
+            <a:r>
+              <a:rPr kumimoji="0" lang="fr-FR" altLang="fr-FR" sz="1000" b="0" i="0" u="none" strike="noStrike" cap="none" normalizeH="0" baseline="0" dirty="0" err="1">
+                <a:ln>
+                  <a:noFill/>
+                </a:ln>
+                <a:solidFill>
+                  <a:srgbClr val="000000"/>
+                </a:solidFill>
+                <a:effectLst/>
+                <a:latin typeface="Fira Code" panose="020B0809050000020004" pitchFamily="49" charset="0"/>
+                <a:cs typeface="Fira Code" panose="020B0809050000020004" pitchFamily="49" charset="0"/>
+              </a:rPr>
+              <a:t>PageRequest</a:t>
+            </a:r>
+            <a:r>
+              <a:rPr kumimoji="0" lang="fr-FR" altLang="fr-FR" sz="1000" b="0" i="0" u="none" strike="noStrike" cap="none" normalizeH="0" baseline="0" dirty="0" err="1">
+                <a:ln>
+                  <a:noFill/>
+                </a:ln>
+                <a:solidFill>
+                  <a:srgbClr val="080808"/>
+                </a:solidFill>
+                <a:effectLst/>
+                <a:latin typeface="Fira Code" panose="020B0809050000020004" pitchFamily="49" charset="0"/>
+                <a:cs typeface="Fira Code" panose="020B0809050000020004" pitchFamily="49" charset="0"/>
+              </a:rPr>
+              <a:t>.</a:t>
+            </a:r>
+            <a:r>
+              <a:rPr kumimoji="0" lang="fr-FR" altLang="fr-FR" sz="1000" b="0" i="1" u="none" strike="noStrike" cap="none" normalizeH="0" baseline="0" dirty="0" err="1">
+                <a:ln>
+                  <a:noFill/>
+                </a:ln>
+                <a:solidFill>
+                  <a:srgbClr val="080808"/>
+                </a:solidFill>
+                <a:effectLst/>
+                <a:latin typeface="Fira Code" panose="020B0809050000020004" pitchFamily="49" charset="0"/>
+                <a:cs typeface="Fira Code" panose="020B0809050000020004" pitchFamily="49" charset="0"/>
+              </a:rPr>
+              <a:t>of</a:t>
+            </a:r>
+            <a:r>
+              <a:rPr kumimoji="0" lang="fr-FR" altLang="fr-FR" sz="1000" b="0" i="0" u="none" strike="noStrike" cap="none" normalizeH="0" baseline="0" dirty="0">
+                <a:ln>
+                  <a:noFill/>
+                </a:ln>
+                <a:solidFill>
+                  <a:srgbClr val="080808"/>
+                </a:solidFill>
+                <a:effectLst/>
+                <a:latin typeface="Fira Code" panose="020B0809050000020004" pitchFamily="49" charset="0"/>
+                <a:cs typeface="Fira Code" panose="020B0809050000020004" pitchFamily="49" charset="0"/>
+              </a:rPr>
+              <a:t>(</a:t>
+            </a:r>
+            <a:r>
+              <a:rPr kumimoji="0" lang="fr-FR" altLang="fr-FR" sz="1000" b="0" i="0" u="none" strike="noStrike" cap="none" normalizeH="0" baseline="0" dirty="0">
+                <a:ln>
+                  <a:noFill/>
+                </a:ln>
+                <a:solidFill>
+                  <a:srgbClr val="000000"/>
+                </a:solidFill>
+                <a:effectLst/>
+                <a:latin typeface="Fira Code" panose="020B0809050000020004" pitchFamily="49" charset="0"/>
+                <a:cs typeface="Fira Code" panose="020B0809050000020004" pitchFamily="49" charset="0"/>
+              </a:rPr>
+              <a:t>page</a:t>
+            </a:r>
+            <a:r>
+              <a:rPr kumimoji="0" lang="fr-FR" altLang="fr-FR" sz="1000" b="0" i="0" u="none" strike="noStrike" cap="none" normalizeH="0" baseline="0" dirty="0">
+                <a:ln>
+                  <a:noFill/>
+                </a:ln>
+                <a:solidFill>
+                  <a:srgbClr val="080808"/>
+                </a:solidFill>
+                <a:effectLst/>
+                <a:latin typeface="Fira Code" panose="020B0809050000020004" pitchFamily="49" charset="0"/>
+                <a:cs typeface="Fira Code" panose="020B0809050000020004" pitchFamily="49" charset="0"/>
+              </a:rPr>
+              <a:t>, </a:t>
+            </a:r>
+            <a:r>
+              <a:rPr kumimoji="0" lang="fr-FR" altLang="fr-FR" sz="1000" b="0" i="0" u="none" strike="noStrike" cap="none" normalizeH="0" baseline="0" dirty="0">
+                <a:ln>
+                  <a:noFill/>
+                </a:ln>
+                <a:solidFill>
+                  <a:srgbClr val="000000"/>
+                </a:solidFill>
+                <a:effectLst/>
+                <a:latin typeface="Fira Code" panose="020B0809050000020004" pitchFamily="49" charset="0"/>
+                <a:cs typeface="Fira Code" panose="020B0809050000020004" pitchFamily="49" charset="0"/>
+              </a:rPr>
+              <a:t>size</a:t>
+            </a:r>
+            <a:r>
+              <a:rPr kumimoji="0" lang="fr-FR" altLang="fr-FR" sz="1000" b="0" i="0" u="none" strike="noStrike" cap="none" normalizeH="0" baseline="0" dirty="0">
+                <a:ln>
+                  <a:noFill/>
+                </a:ln>
+                <a:solidFill>
+                  <a:srgbClr val="080808"/>
+                </a:solidFill>
+                <a:effectLst/>
+                <a:latin typeface="Fira Code" panose="020B0809050000020004" pitchFamily="49" charset="0"/>
+                <a:cs typeface="Fira Code" panose="020B0809050000020004" pitchFamily="49" charset="0"/>
+              </a:rPr>
+              <a:t>, </a:t>
+            </a:r>
+            <a:r>
+              <a:rPr kumimoji="0" lang="fr-FR" altLang="fr-FR" sz="1000" b="0" i="0" u="none" strike="noStrike" cap="none" normalizeH="0" baseline="0" dirty="0">
+                <a:ln>
+                  <a:noFill/>
+                </a:ln>
+                <a:solidFill>
+                  <a:srgbClr val="000000"/>
+                </a:solidFill>
+                <a:effectLst/>
+                <a:latin typeface="Fira Code" panose="020B0809050000020004" pitchFamily="49" charset="0"/>
+                <a:cs typeface="Fira Code" panose="020B0809050000020004" pitchFamily="49" charset="0"/>
+              </a:rPr>
+              <a:t>Sort</a:t>
+            </a:r>
+            <a:r>
+              <a:rPr kumimoji="0" lang="fr-FR" altLang="fr-FR" sz="1000" b="0" i="0" u="none" strike="noStrike" cap="none" normalizeH="0" baseline="0" dirty="0">
+                <a:ln>
+                  <a:noFill/>
+                </a:ln>
+                <a:solidFill>
+                  <a:srgbClr val="080808"/>
+                </a:solidFill>
+                <a:effectLst/>
+                <a:latin typeface="Fira Code" panose="020B0809050000020004" pitchFamily="49" charset="0"/>
+                <a:cs typeface="Fira Code" panose="020B0809050000020004" pitchFamily="49" charset="0"/>
+              </a:rPr>
+              <a:t>.</a:t>
+            </a:r>
+            <a:r>
+              <a:rPr kumimoji="0" lang="fr-FR" altLang="fr-FR" sz="1000" b="0" i="1" u="none" strike="noStrike" cap="none" normalizeH="0" baseline="0" dirty="0">
+                <a:ln>
+                  <a:noFill/>
+                </a:ln>
+                <a:solidFill>
+                  <a:srgbClr val="080808"/>
+                </a:solidFill>
+                <a:effectLst/>
+                <a:latin typeface="Fira Code" panose="020B0809050000020004" pitchFamily="49" charset="0"/>
+                <a:cs typeface="Fira Code" panose="020B0809050000020004" pitchFamily="49" charset="0"/>
+              </a:rPr>
+              <a:t>by</a:t>
+            </a:r>
+            <a:r>
+              <a:rPr kumimoji="0" lang="fr-FR" altLang="fr-FR" sz="1000" b="0" i="0" u="none" strike="noStrike" cap="none" normalizeH="0" baseline="0" dirty="0">
+                <a:ln>
+                  <a:noFill/>
+                </a:ln>
+                <a:solidFill>
+                  <a:srgbClr val="080808"/>
+                </a:solidFill>
+                <a:effectLst/>
+                <a:latin typeface="Fira Code" panose="020B0809050000020004" pitchFamily="49" charset="0"/>
+                <a:cs typeface="Fira Code" panose="020B0809050000020004" pitchFamily="49" charset="0"/>
+              </a:rPr>
+              <a:t>(</a:t>
+            </a:r>
+            <a:r>
+              <a:rPr kumimoji="0" lang="fr-FR" altLang="fr-FR" sz="1000" b="0" i="0" u="none" strike="noStrike" cap="none" normalizeH="0" baseline="0" dirty="0">
+                <a:ln>
+                  <a:noFill/>
+                </a:ln>
+                <a:solidFill>
+                  <a:srgbClr val="067D17"/>
+                </a:solidFill>
+                <a:effectLst/>
+                <a:latin typeface="Fira Code" panose="020B0809050000020004" pitchFamily="49" charset="0"/>
+                <a:cs typeface="Fira Code" panose="020B0809050000020004" pitchFamily="49" charset="0"/>
+              </a:rPr>
+              <a:t>"</a:t>
+            </a:r>
+            <a:r>
+              <a:rPr kumimoji="0" lang="fr-FR" altLang="fr-FR" sz="1000" b="0" i="0" u="none" strike="noStrike" cap="none" normalizeH="0" baseline="0" dirty="0" err="1">
+                <a:ln>
+                  <a:noFill/>
+                </a:ln>
+                <a:solidFill>
+                  <a:srgbClr val="067D17"/>
+                </a:solidFill>
+                <a:effectLst/>
+                <a:latin typeface="Fira Code" panose="020B0809050000020004" pitchFamily="49" charset="0"/>
+                <a:cs typeface="Fira Code" panose="020B0809050000020004" pitchFamily="49" charset="0"/>
+              </a:rPr>
+              <a:t>name</a:t>
+            </a:r>
+            <a:r>
+              <a:rPr kumimoji="0" lang="fr-FR" altLang="fr-FR" sz="1000" b="0" i="0" u="none" strike="noStrike" cap="none" normalizeH="0" baseline="0" dirty="0">
+                <a:ln>
+                  <a:noFill/>
+                </a:ln>
+                <a:solidFill>
+                  <a:srgbClr val="067D17"/>
+                </a:solidFill>
+                <a:effectLst/>
+                <a:latin typeface="Fira Code" panose="020B0809050000020004" pitchFamily="49" charset="0"/>
+                <a:cs typeface="Fira Code" panose="020B0809050000020004" pitchFamily="49" charset="0"/>
+              </a:rPr>
+              <a:t>"</a:t>
+            </a:r>
+            <a:r>
+              <a:rPr kumimoji="0" lang="fr-FR" altLang="fr-FR" sz="1000" b="0" i="0" u="none" strike="noStrike" cap="none" normalizeH="0" baseline="0" dirty="0">
+                <a:ln>
+                  <a:noFill/>
+                </a:ln>
+                <a:solidFill>
+                  <a:srgbClr val="080808"/>
+                </a:solidFill>
+                <a:effectLst/>
+                <a:latin typeface="Fira Code" panose="020B0809050000020004" pitchFamily="49" charset="0"/>
+                <a:cs typeface="Fira Code" panose="020B0809050000020004" pitchFamily="49" charset="0"/>
+              </a:rPr>
+              <a:t>));</a:t>
+            </a:r>
+            <a:endParaRPr kumimoji="0" lang="fr-FR" altLang="fr-FR" sz="1800" b="0" i="0" u="none" strike="noStrike" cap="none" normalizeH="0" baseline="0" dirty="0">
+              <a:ln>
+                <a:noFill/>
+              </a:ln>
+              <a:solidFill>
+                <a:schemeClr val="tx1"/>
+              </a:solidFill>
+              <a:effectLst/>
+              <a:latin typeface="Arial" panose="020B0604020202020204" pitchFamily="34" charset="0"/>
+            </a:endParaRPr>
           </a:p>
         </p:txBody>
       </p:sp>
@@ -4184,6 +6407,163 @@
     <p:extLst>
       <p:ext uri="{BB962C8B-B14F-4D97-AF65-F5344CB8AC3E}">
         <p14:creationId xmlns:p14="http://schemas.microsoft.com/office/powerpoint/2010/main" val="3984037417"/>
+      </p:ext>
+    </p:extLst>
+  </p:cSld>
+  <p:clrMapOvr>
+    <a:masterClrMapping/>
+  </p:clrMapOvr>
+  <mc:AlternateContent xmlns:mc="http://schemas.openxmlformats.org/markup-compatibility/2006" xmlns:p14="http://schemas.microsoft.com/office/powerpoint/2010/main">
+    <mc:Choice Requires="p14">
+      <p:transition p14:dur="10"/>
+    </mc:Choice>
+    <mc:Fallback xmlns="">
+      <p:transition/>
+    </mc:Fallback>
+  </mc:AlternateContent>
+</p:sld>
+</file>
+
+<file path=ppt/slides/slide9.xml><?xml version="1.0" encoding="utf-8"?>
+<p:sld xmlns:a="http://schemas.openxmlformats.org/drawingml/2006/main" xmlns:r="http://schemas.openxmlformats.org/officeDocument/2006/relationships" xmlns:p="http://schemas.openxmlformats.org/presentationml/2006/main">
+  <p:cSld>
+    <p:spTree>
+      <p:nvGrpSpPr>
+        <p:cNvPr id="1" name="">
+          <a:extLst>
+            <a:ext uri="{FF2B5EF4-FFF2-40B4-BE49-F238E27FC236}">
+              <a16:creationId xmlns:a16="http://schemas.microsoft.com/office/drawing/2014/main" id="{005485A4-645F-9190-C39C-6525813F1299}"/>
+            </a:ext>
+          </a:extLst>
+        </p:cNvPr>
+        <p:cNvGrpSpPr/>
+        <p:nvPr/>
+      </p:nvGrpSpPr>
+      <p:grpSpPr>
+        <a:xfrm>
+          <a:off x="0" y="0"/>
+          <a:ext cx="0" cy="0"/>
+          <a:chOff x="0" y="0"/>
+          <a:chExt cx="0" cy="0"/>
+        </a:xfrm>
+      </p:grpSpPr>
+      <p:sp>
+        <p:nvSpPr>
+          <p:cNvPr id="4" name="Titre 3">
+            <a:extLst>
+              <a:ext uri="{FF2B5EF4-FFF2-40B4-BE49-F238E27FC236}">
+                <a16:creationId xmlns:a16="http://schemas.microsoft.com/office/drawing/2014/main" id="{5B7D5F80-C8B1-C7B2-6878-BF85A836DA4B}"/>
+              </a:ext>
+            </a:extLst>
+          </p:cNvPr>
+          <p:cNvSpPr>
+            <a:spLocks noGrp="1"/>
+          </p:cNvSpPr>
+          <p:nvPr>
+            <p:ph type="title"/>
+          </p:nvPr>
+        </p:nvSpPr>
+        <p:spPr>
+          <a:xfrm>
+            <a:off x="521206" y="448056"/>
+            <a:ext cx="9522325" cy="640080"/>
+          </a:xfrm>
+        </p:spPr>
+        <p:txBody>
+          <a:bodyPr rtlCol="0">
+            <a:normAutofit/>
+          </a:bodyPr>
+          <a:lstStyle/>
+          <a:p>
+            <a:pPr rtl="0"/>
+            <a:r>
+              <a:rPr lang="fr-FR" noProof="1">
+                <a:latin typeface="Segoe UI Light" panose="020B0502040204020203" pitchFamily="34" charset="0"/>
+                <a:cs typeface="Segoe UI Light" panose="020B0502040204020203" pitchFamily="34" charset="0"/>
+              </a:rPr>
+              <a:t>Requête update avec dirty checking</a:t>
+            </a:r>
+          </a:p>
+        </p:txBody>
+      </p:sp>
+      <p:sp>
+        <p:nvSpPr>
+          <p:cNvPr id="2" name="ZoneTexte 1">
+            <a:extLst>
+              <a:ext uri="{FF2B5EF4-FFF2-40B4-BE49-F238E27FC236}">
+                <a16:creationId xmlns:a16="http://schemas.microsoft.com/office/drawing/2014/main" id="{16C6A73B-702B-0F5C-99E7-8B430E8E9171}"/>
+              </a:ext>
+            </a:extLst>
+          </p:cNvPr>
+          <p:cNvSpPr txBox="1"/>
+          <p:nvPr/>
+        </p:nvSpPr>
+        <p:spPr>
+          <a:xfrm>
+            <a:off x="521207" y="1243786"/>
+            <a:ext cx="10961915" cy="1477328"/>
+          </a:xfrm>
+          <a:prstGeom prst="rect">
+            <a:avLst/>
+          </a:prstGeom>
+          <a:noFill/>
+        </p:spPr>
+        <p:txBody>
+          <a:bodyPr wrap="square" rtlCol="0">
+            <a:spAutoFit/>
+          </a:bodyPr>
+          <a:lstStyle/>
+          <a:p>
+            <a:pPr marL="285750" indent="-285750">
+              <a:buFont typeface="Wingdings" panose="05000000000000000000" pitchFamily="2" charset="2"/>
+              <a:buChar char="Ø"/>
+            </a:pPr>
+            <a:r>
+              <a:rPr lang="fr-FR" dirty="0"/>
+              <a:t>Mode JPA</a:t>
+            </a:r>
+          </a:p>
+          <a:p>
+            <a:pPr marL="285750" indent="-285750">
+              <a:buFont typeface="Wingdings" panose="05000000000000000000" pitchFamily="2" charset="2"/>
+              <a:buChar char="Ø"/>
+            </a:pPr>
+            <a:r>
+              <a:rPr lang="fr-FR" dirty="0"/>
+              <a:t>Mode </a:t>
+            </a:r>
+            <a:r>
+              <a:rPr lang="fr-FR" dirty="0" err="1"/>
+              <a:t>Entity</a:t>
+            </a:r>
+            <a:r>
+              <a:rPr lang="fr-FR" dirty="0"/>
+              <a:t> Manager</a:t>
+            </a:r>
+          </a:p>
+          <a:p>
+            <a:pPr marL="285750" indent="-285750">
+              <a:buFont typeface="Wingdings" panose="05000000000000000000" pitchFamily="2" charset="2"/>
+              <a:buChar char="Ø"/>
+            </a:pPr>
+            <a:endParaRPr lang="fr-FR" dirty="0"/>
+          </a:p>
+          <a:p>
+            <a:pPr marL="285750" indent="-285750">
+              <a:buFont typeface="Wingdings" panose="05000000000000000000" pitchFamily="2" charset="2"/>
+              <a:buChar char="Ø"/>
+            </a:pPr>
+            <a:endParaRPr lang="fr-FR" dirty="0"/>
+          </a:p>
+          <a:p>
+            <a:endParaRPr lang="fr-FR" dirty="0"/>
+          </a:p>
+        </p:txBody>
+      </p:sp>
+    </p:spTree>
+    <p:extLst>
+      <p:ext uri="{BB962C8B-B14F-4D97-AF65-F5344CB8AC3E}">
+        <p14:creationId xmlns:p14="http://schemas.microsoft.com/office/powerpoint/2010/main" val="2231684235"/>
       </p:ext>
     </p:extLst>
   </p:cSld>
@@ -4959,21 +7339,21 @@
 </file>
 
 <file path=customXml/item1.xml><?xml version="1.0" encoding="utf-8"?>
+<p:properties xmlns:p="http://schemas.microsoft.com/office/2006/metadata/properties" xmlns:xsi="http://www.w3.org/2001/XMLSchema-instance" xmlns:pc="http://schemas.microsoft.com/office/infopath/2007/PartnerControls">
+  <documentManagement>
+    <Status xmlns="71af3243-3dd4-4a8d-8c0d-dd76da1f02a5">Not started</Status>
+    <MediaServiceKeyPoints xmlns="71af3243-3dd4-4a8d-8c0d-dd76da1f02a5" xsi:nil="true"/>
+  </documentManagement>
+</p:properties>
+</file>
+
+<file path=customXml/item2.xml><?xml version="1.0" encoding="utf-8"?>
 <?mso-contentType ?>
 <FormTemplates xmlns="http://schemas.microsoft.com/sharepoint/v3/contenttype/forms">
   <Display>DocumentLibraryForm</Display>
   <Edit>DocumentLibraryForm</Edit>
   <New>DocumentLibraryForm</New>
 </FormTemplates>
-</file>
-
-<file path=customXml/item2.xml><?xml version="1.0" encoding="utf-8"?>
-<p:properties xmlns:p="http://schemas.microsoft.com/office/2006/metadata/properties" xmlns:xsi="http://www.w3.org/2001/XMLSchema-instance" xmlns:pc="http://schemas.microsoft.com/office/infopath/2007/PartnerControls">
-  <documentManagement>
-    <Status xmlns="71af3243-3dd4-4a8d-8c0d-dd76da1f02a5">Not started</Status>
-    <MediaServiceKeyPoints xmlns="71af3243-3dd4-4a8d-8c0d-dd76da1f02a5" xsi:nil="true"/>
-  </documentManagement>
-</p:properties>
 </file>
 
 <file path=customXml/item3.xml><?xml version="1.0" encoding="utf-8"?>
@@ -5198,14 +7578,6 @@
 </file>
 
 <file path=customXml/itemProps1.xml><?xml version="1.0" encoding="utf-8"?>
-<ds:datastoreItem xmlns:ds="http://schemas.openxmlformats.org/officeDocument/2006/customXml" ds:itemID="{7EE8C63A-4744-4DE4-BB49-0FF0B5375C60}">
-  <ds:schemaRefs>
-    <ds:schemaRef ds:uri="http://schemas.microsoft.com/sharepoint/v3/contenttype/forms"/>
-  </ds:schemaRefs>
-</ds:datastoreItem>
-</file>
-
-<file path=customXml/itemProps2.xml><?xml version="1.0" encoding="utf-8"?>
 <ds:datastoreItem xmlns:ds="http://schemas.openxmlformats.org/officeDocument/2006/customXml" ds:itemID="{950072C5-DDE0-4258-BA7A-4D4B80DFA632}">
   <ds:schemaRefs>
     <ds:schemaRef ds:uri="http://schemas.microsoft.com/office/2006/documentManagement/types"/>
@@ -5218,6 +7590,14 @@
     <ds:schemaRef ds:uri="http://schemas.microsoft.com/office/2006/metadata/properties"/>
     <ds:schemaRef ds:uri="http://schemas.microsoft.com/office/infopath/2007/PartnerControls"/>
     <ds:schemaRef ds:uri="http://schemas.openxmlformats.org/package/2006/metadata/core-properties"/>
+  </ds:schemaRefs>
+</ds:datastoreItem>
+</file>
+
+<file path=customXml/itemProps2.xml><?xml version="1.0" encoding="utf-8"?>
+<ds:datastoreItem xmlns:ds="http://schemas.openxmlformats.org/officeDocument/2006/customXml" ds:itemID="{7EE8C63A-4744-4DE4-BB49-0FF0B5375C60}">
+  <ds:schemaRefs>
+    <ds:schemaRef ds:uri="http://schemas.microsoft.com/sharepoint/v3/contenttype/forms"/>
   </ds:schemaRefs>
 </ds:datastoreItem>
 </file>
